--- a/meta_analysis_presentation.pptx
+++ b/meta_analysis_presentation.pptx
@@ -6,7 +6,7 @@
   </p:sldMasterIdLst>
   <p:sldIdLst>
     <p:sldId id="256" r:id="rId2"/>
-    <p:sldId id="257" r:id="rId3"/>
+    <p:sldId id="262" r:id="rId3"/>
     <p:sldId id="258" r:id="rId4"/>
     <p:sldId id="259" r:id="rId5"/>
     <p:sldId id="261" r:id="rId6"/>
@@ -296,7 +296,7 @@
           <a:p>
             <a:fld id="{34B44E03-6E3C-DF43-AECF-F650D8A1CE7D}" type="datetimeFigureOut">
               <a:rPr kumimoji="1" lang="zh-TW" altLang="en-US" smtClean="0"/>
-              <a:t>15/6/23</a:t>
+              <a:t>6/23/15</a:t>
             </a:fld>
             <a:endParaRPr kumimoji="1" lang="zh-TW" altLang="en-US"/>
           </a:p>
@@ -466,7 +466,7 @@
           <a:p>
             <a:fld id="{34B44E03-6E3C-DF43-AECF-F650D8A1CE7D}" type="datetimeFigureOut">
               <a:rPr kumimoji="1" lang="zh-TW" altLang="en-US" smtClean="0"/>
-              <a:t>15/6/23</a:t>
+              <a:t>6/23/15</a:t>
             </a:fld>
             <a:endParaRPr kumimoji="1" lang="zh-TW" altLang="en-US"/>
           </a:p>
@@ -646,7 +646,7 @@
           <a:p>
             <a:fld id="{34B44E03-6E3C-DF43-AECF-F650D8A1CE7D}" type="datetimeFigureOut">
               <a:rPr kumimoji="1" lang="zh-TW" altLang="en-US" smtClean="0"/>
-              <a:t>15/6/23</a:t>
+              <a:t>6/23/15</a:t>
             </a:fld>
             <a:endParaRPr kumimoji="1" lang="zh-TW" altLang="en-US"/>
           </a:p>
@@ -816,7 +816,7 @@
           <a:p>
             <a:fld id="{34B44E03-6E3C-DF43-AECF-F650D8A1CE7D}" type="datetimeFigureOut">
               <a:rPr kumimoji="1" lang="zh-TW" altLang="en-US" smtClean="0"/>
-              <a:t>15/6/23</a:t>
+              <a:t>6/23/15</a:t>
             </a:fld>
             <a:endParaRPr kumimoji="1" lang="zh-TW" altLang="en-US"/>
           </a:p>
@@ -1062,7 +1062,7 @@
           <a:p>
             <a:fld id="{34B44E03-6E3C-DF43-AECF-F650D8A1CE7D}" type="datetimeFigureOut">
               <a:rPr kumimoji="1" lang="zh-TW" altLang="en-US" smtClean="0"/>
-              <a:t>15/6/23</a:t>
+              <a:t>6/23/15</a:t>
             </a:fld>
             <a:endParaRPr kumimoji="1" lang="zh-TW" altLang="en-US"/>
           </a:p>
@@ -1350,7 +1350,7 @@
           <a:p>
             <a:fld id="{34B44E03-6E3C-DF43-AECF-F650D8A1CE7D}" type="datetimeFigureOut">
               <a:rPr kumimoji="1" lang="zh-TW" altLang="en-US" smtClean="0"/>
-              <a:t>15/6/23</a:t>
+              <a:t>6/23/15</a:t>
             </a:fld>
             <a:endParaRPr kumimoji="1" lang="zh-TW" altLang="en-US"/>
           </a:p>
@@ -1772,7 +1772,7 @@
           <a:p>
             <a:fld id="{34B44E03-6E3C-DF43-AECF-F650D8A1CE7D}" type="datetimeFigureOut">
               <a:rPr kumimoji="1" lang="zh-TW" altLang="en-US" smtClean="0"/>
-              <a:t>15/6/23</a:t>
+              <a:t>6/23/15</a:t>
             </a:fld>
             <a:endParaRPr kumimoji="1" lang="zh-TW" altLang="en-US"/>
           </a:p>
@@ -1890,7 +1890,7 @@
           <a:p>
             <a:fld id="{34B44E03-6E3C-DF43-AECF-F650D8A1CE7D}" type="datetimeFigureOut">
               <a:rPr kumimoji="1" lang="zh-TW" altLang="en-US" smtClean="0"/>
-              <a:t>15/6/23</a:t>
+              <a:t>6/23/15</a:t>
             </a:fld>
             <a:endParaRPr kumimoji="1" lang="zh-TW" altLang="en-US"/>
           </a:p>
@@ -1985,7 +1985,7 @@
           <a:p>
             <a:fld id="{34B44E03-6E3C-DF43-AECF-F650D8A1CE7D}" type="datetimeFigureOut">
               <a:rPr kumimoji="1" lang="zh-TW" altLang="en-US" smtClean="0"/>
-              <a:t>15/6/23</a:t>
+              <a:t>6/23/15</a:t>
             </a:fld>
             <a:endParaRPr kumimoji="1" lang="zh-TW" altLang="en-US"/>
           </a:p>
@@ -2262,7 +2262,7 @@
           <a:p>
             <a:fld id="{34B44E03-6E3C-DF43-AECF-F650D8A1CE7D}" type="datetimeFigureOut">
               <a:rPr kumimoji="1" lang="zh-TW" altLang="en-US" smtClean="0"/>
-              <a:t>15/6/23</a:t>
+              <a:t>6/23/15</a:t>
             </a:fld>
             <a:endParaRPr kumimoji="1" lang="zh-TW" altLang="en-US"/>
           </a:p>
@@ -2515,7 +2515,7 @@
           <a:p>
             <a:fld id="{34B44E03-6E3C-DF43-AECF-F650D8A1CE7D}" type="datetimeFigureOut">
               <a:rPr kumimoji="1" lang="zh-TW" altLang="en-US" smtClean="0"/>
-              <a:t>15/6/23</a:t>
+              <a:t>6/23/15</a:t>
             </a:fld>
             <a:endParaRPr kumimoji="1" lang="zh-TW" altLang="en-US"/>
           </a:p>
@@ -2580,9 +2580,16 @@
 <p:sldMaster xmlns:a="http://schemas.openxmlformats.org/drawingml/2006/main" xmlns:r="http://schemas.openxmlformats.org/officeDocument/2006/relationships" xmlns:p="http://schemas.openxmlformats.org/presentationml/2006/main">
   <p:cSld>
     <p:bg>
-      <p:bgRef idx="1001">
-        <a:schemeClr val="bg1"/>
-      </p:bgRef>
+      <p:bgPr>
+        <a:blipFill dpi="0" rotWithShape="1">
+          <a:blip r:embed="rId13"/>
+          <a:srcRect/>
+          <a:stretch>
+            <a:fillRect/>
+          </a:stretch>
+        </a:blipFill>
+        <a:effectLst/>
+      </p:bgPr>
     </p:bg>
     <p:spTree>
       <p:nvGrpSpPr>
@@ -2728,7 +2735,7 @@
           <a:p>
             <a:fld id="{34B44E03-6E3C-DF43-AECF-F650D8A1CE7D}" type="datetimeFigureOut">
               <a:rPr kumimoji="1" lang="zh-TW" altLang="en-US" smtClean="0"/>
-              <a:t>15/6/23</a:t>
+              <a:t>6/23/15</a:t>
             </a:fld>
             <a:endParaRPr kumimoji="1" lang="zh-TW" altLang="en-US"/>
           </a:p>
@@ -3205,7 +3212,7 @@
       </p:grpSpPr>
       <p:sp>
         <p:nvSpPr>
-          <p:cNvPr id="2" name="標題 1"/>
+          <p:cNvPr id="2" name="Title 1"/>
           <p:cNvSpPr>
             <a:spLocks noGrp="1"/>
           </p:cNvSpPr>
@@ -3219,16 +3226,16 @@
           <a:lstStyle/>
           <a:p>
             <a:r>
-              <a:rPr kumimoji="1" lang="en-US" altLang="zh-TW" dirty="0" smtClean="0"/>
+              <a:rPr lang="en-US" dirty="0" smtClean="0"/>
               <a:t>Motivation</a:t>
             </a:r>
-            <a:endParaRPr kumimoji="1" lang="zh-TW" altLang="en-US" dirty="0"/>
-          </a:p>
-        </p:txBody>
-      </p:sp>
-      <p:sp>
-        <p:nvSpPr>
-          <p:cNvPr id="3" name="內容版面配置區 2"/>
+            <a:endParaRPr lang="en-US" dirty="0"/>
+          </a:p>
+        </p:txBody>
+      </p:sp>
+      <p:sp>
+        <p:nvSpPr>
+          <p:cNvPr id="3" name="Content Placeholder 2"/>
           <p:cNvSpPr>
             <a:spLocks noGrp="1"/>
           </p:cNvSpPr>
@@ -3242,19 +3249,30 @@
           <a:lstStyle/>
           <a:p>
             <a:r>
-              <a:rPr kumimoji="1" lang="en-US" altLang="zh-TW" dirty="0" smtClean="0"/>
+              <a:rPr kumimoji="1" lang="en-US" altLang="zh-TW" dirty="0"/>
               <a:t>Genome-wide association studies (GWAS)</a:t>
             </a:r>
           </a:p>
           <a:p>
-            <a:endParaRPr kumimoji="1" lang="zh-TW" altLang="en-US" dirty="0"/>
+            <a:r>
+              <a:rPr lang="en-US" dirty="0" smtClean="0"/>
+              <a:t>Combine results from many studies</a:t>
+            </a:r>
+          </a:p>
+          <a:p>
+            <a:pPr lvl="1"/>
+            <a:r>
+              <a:rPr lang="en-US" dirty="0" smtClean="0"/>
+              <a:t>Develop new conclusions</a:t>
+            </a:r>
+            <a:endParaRPr lang="en-US" dirty="0"/>
           </a:p>
         </p:txBody>
       </p:sp>
     </p:spTree>
     <p:extLst>
       <p:ext uri="{BB962C8B-B14F-4D97-AF65-F5344CB8AC3E}">
-        <p14:creationId xmlns:p14="http://schemas.microsoft.com/office/powerpoint/2010/main" val="1257715691"/>
+        <p14:creationId xmlns:p14="http://schemas.microsoft.com/office/powerpoint/2010/main" val="1845376259"/>
       </p:ext>
     </p:extLst>
   </p:cSld>

--- a/meta_analysis_presentation.pptx
+++ b/meta_analysis_presentation.pptx
@@ -9,7 +9,8 @@
     <p:sldId id="262" r:id="rId3"/>
     <p:sldId id="258" r:id="rId4"/>
     <p:sldId id="259" r:id="rId5"/>
-    <p:sldId id="261" r:id="rId6"/>
+    <p:sldId id="263" r:id="rId6"/>
+    <p:sldId id="261" r:id="rId7"/>
   </p:sldIdLst>
   <p:sldSz cx="9144000" cy="6858000" type="screen4x3"/>
   <p:notesSz cx="6858000" cy="9144000"/>
@@ -3161,20 +3162,12 @@
               <a:t>, </a:t>
             </a:r>
             <a:r>
-              <a:rPr kumimoji="1" lang="en-US" altLang="zh-TW" dirty="0" err="1" smtClean="0"/>
-              <a:t>Rushill</a:t>
-            </a:r>
-            <a:r>
               <a:rPr kumimoji="1" lang="en-US" altLang="zh-TW" dirty="0" smtClean="0"/>
-              <a:t> </a:t>
-            </a:r>
-            <a:r>
-              <a:rPr kumimoji="1" lang="en-US" altLang="zh-TW" dirty="0" err="1" smtClean="0"/>
-              <a:t>Sheth</a:t>
+              <a:t>Rushil </a:t>
             </a:r>
             <a:r>
               <a:rPr kumimoji="1" lang="en-US" altLang="zh-TW" dirty="0" smtClean="0"/>
-              <a:t>, Michael Thompson</a:t>
+              <a:t>Sheth, Michael Thompson</a:t>
             </a:r>
             <a:endParaRPr kumimoji="1" lang="zh-TW" altLang="en-US" dirty="0"/>
           </a:p>
@@ -3190,6 +3183,13 @@
   <p:clrMapOvr>
     <a:masterClrMapping/>
   </p:clrMapOvr>
+  <p:timing>
+    <p:tnLst>
+      <p:par>
+        <p:cTn xmlns:p14="http://schemas.microsoft.com/office/powerpoint/2010/main" id="1" dur="indefinite" restart="never" nodeType="tmRoot"/>
+      </p:par>
+    </p:tnLst>
+  </p:timing>
 </p:sld>
 </file>
 
@@ -3279,6 +3279,13 @@
   <p:clrMapOvr>
     <a:masterClrMapping/>
   </p:clrMapOvr>
+  <p:timing>
+    <p:tnLst>
+      <p:par>
+        <p:cTn xmlns:p14="http://schemas.microsoft.com/office/powerpoint/2010/main" id="1" dur="indefinite" restart="never" nodeType="tmRoot"/>
+      </p:par>
+    </p:tnLst>
+  </p:timing>
 </p:sld>
 </file>
 
@@ -3369,6 +3376,13 @@
   <p:clrMapOvr>
     <a:masterClrMapping/>
   </p:clrMapOvr>
+  <p:timing>
+    <p:tnLst>
+      <p:par>
+        <p:cTn xmlns:p14="http://schemas.microsoft.com/office/powerpoint/2010/main" id="1" dur="indefinite" restart="never" nodeType="tmRoot"/>
+      </p:par>
+    </p:tnLst>
+  </p:timing>
 </p:sld>
 </file>
 
@@ -3453,6 +3467,13 @@
   <p:clrMapOvr>
     <a:masterClrMapping/>
   </p:clrMapOvr>
+  <p:timing>
+    <p:tnLst>
+      <p:par>
+        <p:cTn xmlns:p14="http://schemas.microsoft.com/office/powerpoint/2010/main" id="1" dur="indefinite" restart="never" nodeType="tmRoot"/>
+      </p:par>
+    </p:tnLst>
+  </p:timing>
 </p:sld>
 </file>
 
@@ -3475,6 +3496,85 @@
       </p:grpSpPr>
       <p:sp>
         <p:nvSpPr>
+          <p:cNvPr id="2" name="Title 1"/>
+          <p:cNvSpPr>
+            <a:spLocks noGrp="1"/>
+          </p:cNvSpPr>
+          <p:nvPr>
+            <p:ph type="title"/>
+          </p:nvPr>
+        </p:nvSpPr>
+        <p:spPr/>
+        <p:txBody>
+          <a:bodyPr/>
+          <a:lstStyle/>
+          <a:p>
+            <a:r>
+              <a:rPr lang="en-US" dirty="0" smtClean="0"/>
+              <a:t>Results</a:t>
+            </a:r>
+            <a:endParaRPr lang="en-US" dirty="0"/>
+          </a:p>
+        </p:txBody>
+      </p:sp>
+      <p:sp>
+        <p:nvSpPr>
+          <p:cNvPr id="7" name="Content Placeholder 6"/>
+          <p:cNvSpPr>
+            <a:spLocks noGrp="1"/>
+          </p:cNvSpPr>
+          <p:nvPr>
+            <p:ph idx="1"/>
+          </p:nvPr>
+        </p:nvSpPr>
+        <p:spPr/>
+        <p:txBody>
+          <a:bodyPr/>
+          <a:lstStyle/>
+          <a:p>
+            <a:endParaRPr lang="en-US"/>
+          </a:p>
+        </p:txBody>
+      </p:sp>
+    </p:spTree>
+    <p:extLst>
+      <p:ext uri="{BB962C8B-B14F-4D97-AF65-F5344CB8AC3E}">
+        <p14:creationId xmlns:p14="http://schemas.microsoft.com/office/powerpoint/2010/main" val="16923209"/>
+      </p:ext>
+    </p:extLst>
+  </p:cSld>
+  <p:clrMapOvr>
+    <a:masterClrMapping/>
+  </p:clrMapOvr>
+  <p:timing>
+    <p:tnLst>
+      <p:par>
+        <p:cTn xmlns:p14="http://schemas.microsoft.com/office/powerpoint/2010/main" id="1" dur="indefinite" restart="never" nodeType="tmRoot"/>
+      </p:par>
+    </p:tnLst>
+  </p:timing>
+</p:sld>
+</file>
+
+<file path=ppt/slides/slide6.xml><?xml version="1.0" encoding="utf-8"?>
+<p:sld xmlns:a="http://schemas.openxmlformats.org/drawingml/2006/main" xmlns:r="http://schemas.openxmlformats.org/officeDocument/2006/relationships" xmlns:p="http://schemas.openxmlformats.org/presentationml/2006/main">
+  <p:cSld>
+    <p:spTree>
+      <p:nvGrpSpPr>
+        <p:cNvPr id="1" name=""/>
+        <p:cNvGrpSpPr/>
+        <p:nvPr/>
+      </p:nvGrpSpPr>
+      <p:grpSpPr>
+        <a:xfrm>
+          <a:off x="0" y="0"/>
+          <a:ext cx="0" cy="0"/>
+          <a:chOff x="0" y="0"/>
+          <a:chExt cx="0" cy="0"/>
+        </a:xfrm>
+      </p:grpSpPr>
+      <p:sp>
+        <p:nvSpPr>
           <p:cNvPr id="2" name="標題 1"/>
           <p:cNvSpPr>
             <a:spLocks noGrp="1"/>
@@ -3564,6 +3664,13 @@
   <p:clrMapOvr>
     <a:masterClrMapping/>
   </p:clrMapOvr>
+  <p:timing>
+    <p:tnLst>
+      <p:par>
+        <p:cTn xmlns:p14="http://schemas.microsoft.com/office/powerpoint/2010/main" id="1" dur="indefinite" restart="never" nodeType="tmRoot"/>
+      </p:par>
+    </p:tnLst>
+  </p:timing>
 </p:sld>
 </file>
 

--- a/meta_analysis_presentation.pptx
+++ b/meta_analysis_presentation.pptx
@@ -4,12 +4,16 @@
   <p:sldMasterIdLst>
     <p:sldMasterId id="2147483648" r:id="rId1"/>
   </p:sldMasterIdLst>
+  <p:notesMasterIdLst>
+    <p:notesMasterId r:id="rId8"/>
+  </p:notesMasterIdLst>
   <p:sldIdLst>
     <p:sldId id="256" r:id="rId2"/>
     <p:sldId id="257" r:id="rId3"/>
     <p:sldId id="258" r:id="rId4"/>
-    <p:sldId id="259" r:id="rId5"/>
+    <p:sldId id="262" r:id="rId5"/>
     <p:sldId id="261" r:id="rId6"/>
+    <p:sldId id="263" r:id="rId7"/>
   </p:sldIdLst>
   <p:sldSz cx="9144000" cy="6858000" type="screen4x3"/>
   <p:notesSz cx="6858000" cy="9144000"/>
@@ -111,6 +115,448 @@
 </p:presentation>
 </file>
 
+<file path=ppt/notesMasters/notesMaster1.xml><?xml version="1.0" encoding="utf-8"?>
+<p:notesMaster xmlns:a="http://schemas.openxmlformats.org/drawingml/2006/main" xmlns:r="http://schemas.openxmlformats.org/officeDocument/2006/relationships" xmlns:p="http://schemas.openxmlformats.org/presentationml/2006/main">
+  <p:cSld>
+    <p:bg>
+      <p:bgRef idx="1001">
+        <a:schemeClr val="bg1"/>
+      </p:bgRef>
+    </p:bg>
+    <p:spTree>
+      <p:nvGrpSpPr>
+        <p:cNvPr id="1" name=""/>
+        <p:cNvGrpSpPr/>
+        <p:nvPr/>
+      </p:nvGrpSpPr>
+      <p:grpSpPr>
+        <a:xfrm>
+          <a:off x="0" y="0"/>
+          <a:ext cx="0" cy="0"/>
+          <a:chOff x="0" y="0"/>
+          <a:chExt cx="0" cy="0"/>
+        </a:xfrm>
+      </p:grpSpPr>
+      <p:sp>
+        <p:nvSpPr>
+          <p:cNvPr id="2" name="頁首版面配置區 1"/>
+          <p:cNvSpPr>
+            <a:spLocks noGrp="1"/>
+          </p:cNvSpPr>
+          <p:nvPr>
+            <p:ph type="hdr" sz="quarter"/>
+          </p:nvPr>
+        </p:nvSpPr>
+        <p:spPr>
+          <a:xfrm>
+            <a:off x="0" y="0"/>
+            <a:ext cx="2971800" cy="457200"/>
+          </a:xfrm>
+          <a:prstGeom prst="rect">
+            <a:avLst/>
+          </a:prstGeom>
+        </p:spPr>
+        <p:txBody>
+          <a:bodyPr vert="horz" lIns="91440" tIns="45720" rIns="91440" bIns="45720" rtlCol="0"/>
+          <a:lstStyle>
+            <a:lvl1pPr algn="l">
+              <a:defRPr sz="1200"/>
+            </a:lvl1pPr>
+          </a:lstStyle>
+          <a:p>
+            <a:endParaRPr kumimoji="1" lang="zh-TW" altLang="en-US"/>
+          </a:p>
+        </p:txBody>
+      </p:sp>
+      <p:sp>
+        <p:nvSpPr>
+          <p:cNvPr id="3" name="日期版面配置區 2"/>
+          <p:cNvSpPr>
+            <a:spLocks noGrp="1"/>
+          </p:cNvSpPr>
+          <p:nvPr>
+            <p:ph type="dt" idx="1"/>
+          </p:nvPr>
+        </p:nvSpPr>
+        <p:spPr>
+          <a:xfrm>
+            <a:off x="3884613" y="0"/>
+            <a:ext cx="2971800" cy="457200"/>
+          </a:xfrm>
+          <a:prstGeom prst="rect">
+            <a:avLst/>
+          </a:prstGeom>
+        </p:spPr>
+        <p:txBody>
+          <a:bodyPr vert="horz" lIns="91440" tIns="45720" rIns="91440" bIns="45720" rtlCol="0"/>
+          <a:lstStyle>
+            <a:lvl1pPr algn="r">
+              <a:defRPr sz="1200"/>
+            </a:lvl1pPr>
+          </a:lstStyle>
+          <a:p>
+            <a:fld id="{F6DBB829-201C-F742-91D0-2E933E5C05B4}" type="datetimeFigureOut">
+              <a:rPr kumimoji="1" lang="zh-TW" altLang="en-US" smtClean="0"/>
+              <a:t>15/6/24</a:t>
+            </a:fld>
+            <a:endParaRPr kumimoji="1" lang="zh-TW" altLang="en-US"/>
+          </a:p>
+        </p:txBody>
+      </p:sp>
+      <p:sp>
+        <p:nvSpPr>
+          <p:cNvPr id="4" name="投影片影像版面配置區 3"/>
+          <p:cNvSpPr>
+            <a:spLocks noGrp="1" noRot="1" noChangeAspect="1"/>
+          </p:cNvSpPr>
+          <p:nvPr>
+            <p:ph type="sldImg" idx="2"/>
+          </p:nvPr>
+        </p:nvSpPr>
+        <p:spPr>
+          <a:xfrm>
+            <a:off x="1143000" y="685800"/>
+            <a:ext cx="4572000" cy="3429000"/>
+          </a:xfrm>
+          <a:prstGeom prst="rect">
+            <a:avLst/>
+          </a:prstGeom>
+          <a:noFill/>
+          <a:ln w="12700">
+            <a:solidFill>
+              <a:prstClr val="black"/>
+            </a:solidFill>
+          </a:ln>
+        </p:spPr>
+        <p:txBody>
+          <a:bodyPr vert="horz" lIns="91440" tIns="45720" rIns="91440" bIns="45720" rtlCol="0" anchor="ctr"/>
+          <a:lstStyle/>
+          <a:p>
+            <a:endParaRPr lang="zh-TW" altLang="en-US"/>
+          </a:p>
+        </p:txBody>
+      </p:sp>
+      <p:sp>
+        <p:nvSpPr>
+          <p:cNvPr id="5" name="備忘稿版面配置區 4"/>
+          <p:cNvSpPr>
+            <a:spLocks noGrp="1"/>
+          </p:cNvSpPr>
+          <p:nvPr>
+            <p:ph type="body" sz="quarter" idx="3"/>
+          </p:nvPr>
+        </p:nvSpPr>
+        <p:spPr>
+          <a:xfrm>
+            <a:off x="685800" y="4343400"/>
+            <a:ext cx="5486400" cy="4114800"/>
+          </a:xfrm>
+          <a:prstGeom prst="rect">
+            <a:avLst/>
+          </a:prstGeom>
+        </p:spPr>
+        <p:txBody>
+          <a:bodyPr vert="horz" lIns="91440" tIns="45720" rIns="91440" bIns="45720" rtlCol="0"/>
+          <a:lstStyle/>
+          <a:p>
+            <a:pPr lvl="0"/>
+            <a:r>
+              <a:rPr kumimoji="1" lang="zh-TW" altLang="en-US" smtClean="0"/>
+              <a:t>按一下以編輯母片文字樣式</a:t>
+            </a:r>
+          </a:p>
+          <a:p>
+            <a:pPr lvl="1"/>
+            <a:r>
+              <a:rPr kumimoji="1" lang="zh-TW" altLang="en-US" smtClean="0"/>
+              <a:t>第二層</a:t>
+            </a:r>
+          </a:p>
+          <a:p>
+            <a:pPr lvl="2"/>
+            <a:r>
+              <a:rPr kumimoji="1" lang="zh-TW" altLang="en-US" smtClean="0"/>
+              <a:t>第三層</a:t>
+            </a:r>
+          </a:p>
+          <a:p>
+            <a:pPr lvl="3"/>
+            <a:r>
+              <a:rPr kumimoji="1" lang="zh-TW" altLang="en-US" smtClean="0"/>
+              <a:t>第四層</a:t>
+            </a:r>
+          </a:p>
+          <a:p>
+            <a:pPr lvl="4"/>
+            <a:r>
+              <a:rPr kumimoji="1" lang="zh-TW" altLang="en-US" smtClean="0"/>
+              <a:t>第五層</a:t>
+            </a:r>
+            <a:endParaRPr kumimoji="1" lang="zh-TW" altLang="en-US"/>
+          </a:p>
+        </p:txBody>
+      </p:sp>
+      <p:sp>
+        <p:nvSpPr>
+          <p:cNvPr id="6" name="頁尾版面配置區 5"/>
+          <p:cNvSpPr>
+            <a:spLocks noGrp="1"/>
+          </p:cNvSpPr>
+          <p:nvPr>
+            <p:ph type="ftr" sz="quarter" idx="4"/>
+          </p:nvPr>
+        </p:nvSpPr>
+        <p:spPr>
+          <a:xfrm>
+            <a:off x="0" y="8685213"/>
+            <a:ext cx="2971800" cy="457200"/>
+          </a:xfrm>
+          <a:prstGeom prst="rect">
+            <a:avLst/>
+          </a:prstGeom>
+        </p:spPr>
+        <p:txBody>
+          <a:bodyPr vert="horz" lIns="91440" tIns="45720" rIns="91440" bIns="45720" rtlCol="0" anchor="b"/>
+          <a:lstStyle>
+            <a:lvl1pPr algn="l">
+              <a:defRPr sz="1200"/>
+            </a:lvl1pPr>
+          </a:lstStyle>
+          <a:p>
+            <a:endParaRPr kumimoji="1" lang="zh-TW" altLang="en-US"/>
+          </a:p>
+        </p:txBody>
+      </p:sp>
+      <p:sp>
+        <p:nvSpPr>
+          <p:cNvPr id="7" name="投影片編號版面配置區 6"/>
+          <p:cNvSpPr>
+            <a:spLocks noGrp="1"/>
+          </p:cNvSpPr>
+          <p:nvPr>
+            <p:ph type="sldNum" sz="quarter" idx="5"/>
+          </p:nvPr>
+        </p:nvSpPr>
+        <p:spPr>
+          <a:xfrm>
+            <a:off x="3884613" y="8685213"/>
+            <a:ext cx="2971800" cy="457200"/>
+          </a:xfrm>
+          <a:prstGeom prst="rect">
+            <a:avLst/>
+          </a:prstGeom>
+        </p:spPr>
+        <p:txBody>
+          <a:bodyPr vert="horz" lIns="91440" tIns="45720" rIns="91440" bIns="45720" rtlCol="0" anchor="b"/>
+          <a:lstStyle>
+            <a:lvl1pPr algn="r">
+              <a:defRPr sz="1200"/>
+            </a:lvl1pPr>
+          </a:lstStyle>
+          <a:p>
+            <a:fld id="{4C846B75-313F-3E47-BA08-023ACE996E54}" type="slidenum">
+              <a:rPr kumimoji="1" lang="zh-TW" altLang="en-US" smtClean="0"/>
+              <a:t>‹#›</a:t>
+            </a:fld>
+            <a:endParaRPr kumimoji="1" lang="zh-TW" altLang="en-US"/>
+          </a:p>
+        </p:txBody>
+      </p:sp>
+    </p:spTree>
+    <p:extLst>
+      <p:ext uri="{BB962C8B-B14F-4D97-AF65-F5344CB8AC3E}">
+        <p14:creationId xmlns:p14="http://schemas.microsoft.com/office/powerpoint/2010/main" val="3582995700"/>
+      </p:ext>
+    </p:extLst>
+  </p:cSld>
+  <p:clrMap bg1="lt1" tx1="dk1" bg2="lt2" tx2="dk2" accent1="accent1" accent2="accent2" accent3="accent3" accent4="accent4" accent5="accent5" accent6="accent6" hlink="hlink" folHlink="folHlink"/>
+  <p:notesStyle>
+    <a:lvl1pPr marL="0" algn="l" defTabSz="457200" rtl="0" eaLnBrk="1" latinLnBrk="0" hangingPunct="1">
+      <a:defRPr sz="1200" kern="1200">
+        <a:solidFill>
+          <a:schemeClr val="tx1"/>
+        </a:solidFill>
+        <a:latin typeface="+mn-lt"/>
+        <a:ea typeface="+mn-ea"/>
+        <a:cs typeface="+mn-cs"/>
+      </a:defRPr>
+    </a:lvl1pPr>
+    <a:lvl2pPr marL="457200" algn="l" defTabSz="457200" rtl="0" eaLnBrk="1" latinLnBrk="0" hangingPunct="1">
+      <a:defRPr sz="1200" kern="1200">
+        <a:solidFill>
+          <a:schemeClr val="tx1"/>
+        </a:solidFill>
+        <a:latin typeface="+mn-lt"/>
+        <a:ea typeface="+mn-ea"/>
+        <a:cs typeface="+mn-cs"/>
+      </a:defRPr>
+    </a:lvl2pPr>
+    <a:lvl3pPr marL="914400" algn="l" defTabSz="457200" rtl="0" eaLnBrk="1" latinLnBrk="0" hangingPunct="1">
+      <a:defRPr sz="1200" kern="1200">
+        <a:solidFill>
+          <a:schemeClr val="tx1"/>
+        </a:solidFill>
+        <a:latin typeface="+mn-lt"/>
+        <a:ea typeface="+mn-ea"/>
+        <a:cs typeface="+mn-cs"/>
+      </a:defRPr>
+    </a:lvl3pPr>
+    <a:lvl4pPr marL="1371600" algn="l" defTabSz="457200" rtl="0" eaLnBrk="1" latinLnBrk="0" hangingPunct="1">
+      <a:defRPr sz="1200" kern="1200">
+        <a:solidFill>
+          <a:schemeClr val="tx1"/>
+        </a:solidFill>
+        <a:latin typeface="+mn-lt"/>
+        <a:ea typeface="+mn-ea"/>
+        <a:cs typeface="+mn-cs"/>
+      </a:defRPr>
+    </a:lvl4pPr>
+    <a:lvl5pPr marL="1828800" algn="l" defTabSz="457200" rtl="0" eaLnBrk="1" latinLnBrk="0" hangingPunct="1">
+      <a:defRPr sz="1200" kern="1200">
+        <a:solidFill>
+          <a:schemeClr val="tx1"/>
+        </a:solidFill>
+        <a:latin typeface="+mn-lt"/>
+        <a:ea typeface="+mn-ea"/>
+        <a:cs typeface="+mn-cs"/>
+      </a:defRPr>
+    </a:lvl5pPr>
+    <a:lvl6pPr marL="2286000" algn="l" defTabSz="457200" rtl="0" eaLnBrk="1" latinLnBrk="0" hangingPunct="1">
+      <a:defRPr sz="1200" kern="1200">
+        <a:solidFill>
+          <a:schemeClr val="tx1"/>
+        </a:solidFill>
+        <a:latin typeface="+mn-lt"/>
+        <a:ea typeface="+mn-ea"/>
+        <a:cs typeface="+mn-cs"/>
+      </a:defRPr>
+    </a:lvl6pPr>
+    <a:lvl7pPr marL="2743200" algn="l" defTabSz="457200" rtl="0" eaLnBrk="1" latinLnBrk="0" hangingPunct="1">
+      <a:defRPr sz="1200" kern="1200">
+        <a:solidFill>
+          <a:schemeClr val="tx1"/>
+        </a:solidFill>
+        <a:latin typeface="+mn-lt"/>
+        <a:ea typeface="+mn-ea"/>
+        <a:cs typeface="+mn-cs"/>
+      </a:defRPr>
+    </a:lvl7pPr>
+    <a:lvl8pPr marL="3200400" algn="l" defTabSz="457200" rtl="0" eaLnBrk="1" latinLnBrk="0" hangingPunct="1">
+      <a:defRPr sz="1200" kern="1200">
+        <a:solidFill>
+          <a:schemeClr val="tx1"/>
+        </a:solidFill>
+        <a:latin typeface="+mn-lt"/>
+        <a:ea typeface="+mn-ea"/>
+        <a:cs typeface="+mn-cs"/>
+      </a:defRPr>
+    </a:lvl8pPr>
+    <a:lvl9pPr marL="3657600" algn="l" defTabSz="457200" rtl="0" eaLnBrk="1" latinLnBrk="0" hangingPunct="1">
+      <a:defRPr sz="1200" kern="1200">
+        <a:solidFill>
+          <a:schemeClr val="tx1"/>
+        </a:solidFill>
+        <a:latin typeface="+mn-lt"/>
+        <a:ea typeface="+mn-ea"/>
+        <a:cs typeface="+mn-cs"/>
+      </a:defRPr>
+    </a:lvl9pPr>
+  </p:notesStyle>
+</p:notesMaster>
+</file>
+
+<file path=ppt/notesSlides/notesSlide1.xml><?xml version="1.0" encoding="utf-8"?>
+<p:notes xmlns:a="http://schemas.openxmlformats.org/drawingml/2006/main" xmlns:r="http://schemas.openxmlformats.org/officeDocument/2006/relationships" xmlns:p="http://schemas.openxmlformats.org/presentationml/2006/main">
+  <p:cSld>
+    <p:spTree>
+      <p:nvGrpSpPr>
+        <p:cNvPr id="1" name=""/>
+        <p:cNvGrpSpPr/>
+        <p:nvPr/>
+      </p:nvGrpSpPr>
+      <p:grpSpPr>
+        <a:xfrm>
+          <a:off x="0" y="0"/>
+          <a:ext cx="0" cy="0"/>
+          <a:chOff x="0" y="0"/>
+          <a:chExt cx="0" cy="0"/>
+        </a:xfrm>
+      </p:grpSpPr>
+      <p:sp>
+        <p:nvSpPr>
+          <p:cNvPr id="2" name="投影片影像版面配置區 1"/>
+          <p:cNvSpPr>
+            <a:spLocks noGrp="1" noRot="1" noChangeAspect="1"/>
+          </p:cNvSpPr>
+          <p:nvPr>
+            <p:ph type="sldImg"/>
+          </p:nvPr>
+        </p:nvSpPr>
+        <p:spPr/>
+      </p:sp>
+      <p:sp>
+        <p:nvSpPr>
+          <p:cNvPr id="3" name="備忘稿版面配置區 2"/>
+          <p:cNvSpPr>
+            <a:spLocks noGrp="1"/>
+          </p:cNvSpPr>
+          <p:nvPr>
+            <p:ph type="body" idx="1"/>
+          </p:nvPr>
+        </p:nvSpPr>
+        <p:spPr/>
+        <p:txBody>
+          <a:bodyPr/>
+          <a:lstStyle/>
+          <a:p>
+            <a:r>
+              <a:rPr kumimoji="1" lang="en-US" altLang="zh-TW" dirty="0" smtClean="0"/>
+              <a:t>Motivation should allude</a:t>
+            </a:r>
+            <a:r>
+              <a:rPr kumimoji="1" lang="en-US" altLang="zh-TW" baseline="0" dirty="0" smtClean="0"/>
+              <a:t> to goal</a:t>
+            </a:r>
+            <a:endParaRPr kumimoji="1" lang="zh-TW" altLang="en-US" dirty="0"/>
+          </a:p>
+        </p:txBody>
+      </p:sp>
+      <p:sp>
+        <p:nvSpPr>
+          <p:cNvPr id="4" name="投影片編號版面配置區 3"/>
+          <p:cNvSpPr>
+            <a:spLocks noGrp="1"/>
+          </p:cNvSpPr>
+          <p:nvPr>
+            <p:ph type="sldNum" sz="quarter" idx="10"/>
+          </p:nvPr>
+        </p:nvSpPr>
+        <p:spPr/>
+        <p:txBody>
+          <a:bodyPr/>
+          <a:lstStyle/>
+          <a:p>
+            <a:fld id="{4C846B75-313F-3E47-BA08-023ACE996E54}" type="slidenum">
+              <a:rPr kumimoji="1" lang="zh-TW" altLang="en-US" smtClean="0"/>
+              <a:t>2</a:t>
+            </a:fld>
+            <a:endParaRPr kumimoji="1" lang="zh-TW" altLang="en-US"/>
+          </a:p>
+        </p:txBody>
+      </p:sp>
+    </p:spTree>
+    <p:extLst>
+      <p:ext uri="{BB962C8B-B14F-4D97-AF65-F5344CB8AC3E}">
+        <p14:creationId xmlns:p14="http://schemas.microsoft.com/office/powerpoint/2010/main" val="3318218694"/>
+      </p:ext>
+    </p:extLst>
+  </p:cSld>
+  <p:clrMapOvr>
+    <a:masterClrMapping/>
+  </p:clrMapOvr>
+</p:notes>
+</file>
+
 <file path=ppt/slideLayouts/slideLayout1.xml><?xml version="1.0" encoding="utf-8"?>
 <p:sldLayout xmlns:a="http://schemas.openxmlformats.org/drawingml/2006/main" xmlns:r="http://schemas.openxmlformats.org/officeDocument/2006/relationships" xmlns:p="http://schemas.openxmlformats.org/presentationml/2006/main" type="title" preserve="1">
   <p:cSld name="標題投影片">
@@ -296,7 +742,7 @@
           <a:p>
             <a:fld id="{34B44E03-6E3C-DF43-AECF-F650D8A1CE7D}" type="datetimeFigureOut">
               <a:rPr kumimoji="1" lang="zh-TW" altLang="en-US" smtClean="0"/>
-              <a:t>15/6/23</a:t>
+              <a:t>15/6/24</a:t>
             </a:fld>
             <a:endParaRPr kumimoji="1" lang="zh-TW" altLang="en-US"/>
           </a:p>
@@ -466,7 +912,7 @@
           <a:p>
             <a:fld id="{34B44E03-6E3C-DF43-AECF-F650D8A1CE7D}" type="datetimeFigureOut">
               <a:rPr kumimoji="1" lang="zh-TW" altLang="en-US" smtClean="0"/>
-              <a:t>15/6/23</a:t>
+              <a:t>15/6/24</a:t>
             </a:fld>
             <a:endParaRPr kumimoji="1" lang="zh-TW" altLang="en-US"/>
           </a:p>
@@ -646,7 +1092,7 @@
           <a:p>
             <a:fld id="{34B44E03-6E3C-DF43-AECF-F650D8A1CE7D}" type="datetimeFigureOut">
               <a:rPr kumimoji="1" lang="zh-TW" altLang="en-US" smtClean="0"/>
-              <a:t>15/6/23</a:t>
+              <a:t>15/6/24</a:t>
             </a:fld>
             <a:endParaRPr kumimoji="1" lang="zh-TW" altLang="en-US"/>
           </a:p>
@@ -816,7 +1262,7 @@
           <a:p>
             <a:fld id="{34B44E03-6E3C-DF43-AECF-F650D8A1CE7D}" type="datetimeFigureOut">
               <a:rPr kumimoji="1" lang="zh-TW" altLang="en-US" smtClean="0"/>
-              <a:t>15/6/23</a:t>
+              <a:t>15/6/24</a:t>
             </a:fld>
             <a:endParaRPr kumimoji="1" lang="zh-TW" altLang="en-US"/>
           </a:p>
@@ -1062,7 +1508,7 @@
           <a:p>
             <a:fld id="{34B44E03-6E3C-DF43-AECF-F650D8A1CE7D}" type="datetimeFigureOut">
               <a:rPr kumimoji="1" lang="zh-TW" altLang="en-US" smtClean="0"/>
-              <a:t>15/6/23</a:t>
+              <a:t>15/6/24</a:t>
             </a:fld>
             <a:endParaRPr kumimoji="1" lang="zh-TW" altLang="en-US"/>
           </a:p>
@@ -1350,7 +1796,7 @@
           <a:p>
             <a:fld id="{34B44E03-6E3C-DF43-AECF-F650D8A1CE7D}" type="datetimeFigureOut">
               <a:rPr kumimoji="1" lang="zh-TW" altLang="en-US" smtClean="0"/>
-              <a:t>15/6/23</a:t>
+              <a:t>15/6/24</a:t>
             </a:fld>
             <a:endParaRPr kumimoji="1" lang="zh-TW" altLang="en-US"/>
           </a:p>
@@ -1772,7 +2218,7 @@
           <a:p>
             <a:fld id="{34B44E03-6E3C-DF43-AECF-F650D8A1CE7D}" type="datetimeFigureOut">
               <a:rPr kumimoji="1" lang="zh-TW" altLang="en-US" smtClean="0"/>
-              <a:t>15/6/23</a:t>
+              <a:t>15/6/24</a:t>
             </a:fld>
             <a:endParaRPr kumimoji="1" lang="zh-TW" altLang="en-US"/>
           </a:p>
@@ -1890,7 +2336,7 @@
           <a:p>
             <a:fld id="{34B44E03-6E3C-DF43-AECF-F650D8A1CE7D}" type="datetimeFigureOut">
               <a:rPr kumimoji="1" lang="zh-TW" altLang="en-US" smtClean="0"/>
-              <a:t>15/6/23</a:t>
+              <a:t>15/6/24</a:t>
             </a:fld>
             <a:endParaRPr kumimoji="1" lang="zh-TW" altLang="en-US"/>
           </a:p>
@@ -1985,7 +2431,7 @@
           <a:p>
             <a:fld id="{34B44E03-6E3C-DF43-AECF-F650D8A1CE7D}" type="datetimeFigureOut">
               <a:rPr kumimoji="1" lang="zh-TW" altLang="en-US" smtClean="0"/>
-              <a:t>15/6/23</a:t>
+              <a:t>15/6/24</a:t>
             </a:fld>
             <a:endParaRPr kumimoji="1" lang="zh-TW" altLang="en-US"/>
           </a:p>
@@ -2262,7 +2708,7 @@
           <a:p>
             <a:fld id="{34B44E03-6E3C-DF43-AECF-F650D8A1CE7D}" type="datetimeFigureOut">
               <a:rPr kumimoji="1" lang="zh-TW" altLang="en-US" smtClean="0"/>
-              <a:t>15/6/23</a:t>
+              <a:t>15/6/24</a:t>
             </a:fld>
             <a:endParaRPr kumimoji="1" lang="zh-TW" altLang="en-US"/>
           </a:p>
@@ -2515,7 +2961,7 @@
           <a:p>
             <a:fld id="{34B44E03-6E3C-DF43-AECF-F650D8A1CE7D}" type="datetimeFigureOut">
               <a:rPr kumimoji="1" lang="zh-TW" altLang="en-US" smtClean="0"/>
-              <a:t>15/6/23</a:t>
+              <a:t>15/6/24</a:t>
             </a:fld>
             <a:endParaRPr kumimoji="1" lang="zh-TW" altLang="en-US"/>
           </a:p>
@@ -2728,7 +3174,7 @@
           <a:p>
             <a:fld id="{34B44E03-6E3C-DF43-AECF-F650D8A1CE7D}" type="datetimeFigureOut">
               <a:rPr kumimoji="1" lang="zh-TW" altLang="en-US" smtClean="0"/>
-              <a:t>15/6/23</a:t>
+              <a:t>15/6/24</a:t>
             </a:fld>
             <a:endParaRPr kumimoji="1" lang="zh-TW" altLang="en-US"/>
           </a:p>
@@ -3103,6 +3549,32 @@
           <a:chExt cx="0" cy="0"/>
         </a:xfrm>
       </p:grpSpPr>
+      <p:pic>
+        <p:nvPicPr>
+          <p:cNvPr id="5" name="圖片 4"/>
+          <p:cNvPicPr>
+            <a:picLocks noChangeAspect="1"/>
+          </p:cNvPicPr>
+          <p:nvPr/>
+        </p:nvPicPr>
+        <p:blipFill>
+          <a:blip r:embed="rId2">
+            <a:alphaModFix amt="60000"/>
+          </a:blip>
+          <a:stretch>
+            <a:fillRect/>
+          </a:stretch>
+        </p:blipFill>
+        <p:spPr>
+          <a:xfrm>
+            <a:off x="-851094" y="3533072"/>
+            <a:ext cx="10383346" cy="3579019"/>
+          </a:xfrm>
+          <a:prstGeom prst="rect">
+            <a:avLst/>
+          </a:prstGeom>
+        </p:spPr>
+      </p:pic>
       <p:sp>
         <p:nvSpPr>
           <p:cNvPr id="2" name="標題 1"/>
@@ -3113,16 +3585,89 @@
             <p:ph type="ctrTitle"/>
           </p:nvPr>
         </p:nvSpPr>
-        <p:spPr/>
+        <p:spPr>
+          <a:xfrm>
+            <a:off x="685800" y="1717352"/>
+            <a:ext cx="7772400" cy="1470025"/>
+          </a:xfrm>
+        </p:spPr>
         <p:txBody>
           <a:bodyPr/>
           <a:lstStyle/>
           <a:p>
             <a:r>
-              <a:rPr kumimoji="1" lang="en-US" altLang="zh-TW" dirty="0" smtClean="0"/>
+              <a:rPr kumimoji="1" lang="en-US" altLang="zh-TW" b="1" dirty="0" smtClean="0">
+                <a:ln w="17780" cmpd="sng">
+                  <a:solidFill>
+                    <a:schemeClr val="accent1">
+                      <a:tint val="3000"/>
+                    </a:schemeClr>
+                  </a:solidFill>
+                  <a:prstDash val="solid"/>
+                  <a:miter lim="800000"/>
+                </a:ln>
+                <a:gradFill>
+                  <a:gsLst>
+                    <a:gs pos="10000">
+                      <a:schemeClr val="accent1">
+                        <a:tint val="63000"/>
+                        <a:sat val="105000"/>
+                      </a:schemeClr>
+                    </a:gs>
+                    <a:gs pos="90000">
+                      <a:schemeClr val="accent1">
+                        <a:shade val="50000"/>
+                        <a:satMod val="100000"/>
+                      </a:schemeClr>
+                    </a:gs>
+                  </a:gsLst>
+                  <a:lin ang="5400000"/>
+                </a:gradFill>
+                <a:effectLst>
+                  <a:outerShdw blurRad="55000" dist="50800" dir="5400000" algn="tl">
+                    <a:srgbClr val="000000">
+                      <a:alpha val="33000"/>
+                    </a:srgbClr>
+                  </a:outerShdw>
+                </a:effectLst>
+              </a:rPr>
               <a:t>Genomics: Meta-Analysis </a:t>
             </a:r>
-            <a:endParaRPr kumimoji="1" lang="zh-TW" altLang="en-US" dirty="0"/>
+            <a:endParaRPr kumimoji="1" lang="zh-TW" altLang="en-US" b="1" dirty="0">
+              <a:ln w="17780" cmpd="sng">
+                <a:solidFill>
+                  <a:schemeClr val="accent1">
+                    <a:tint val="3000"/>
+                  </a:schemeClr>
+                </a:solidFill>
+                <a:prstDash val="solid"/>
+                <a:miter lim="800000"/>
+              </a:ln>
+              <a:gradFill>
+                <a:gsLst>
+                  <a:gs pos="10000">
+                    <a:schemeClr val="accent1">
+                      <a:tint val="63000"/>
+                      <a:sat val="105000"/>
+                    </a:schemeClr>
+                  </a:gs>
+                  <a:gs pos="90000">
+                    <a:schemeClr val="accent1">
+                      <a:shade val="50000"/>
+                      <a:satMod val="100000"/>
+                    </a:schemeClr>
+                  </a:gs>
+                </a:gsLst>
+                <a:lin ang="5400000"/>
+              </a:gradFill>
+              <a:effectLst>
+                <a:outerShdw blurRad="55000" dist="50800" dir="5400000" algn="tl">
+                  <a:srgbClr val="000000">
+                    <a:alpha val="33000"/>
+                  </a:srgbClr>
+                </a:outerShdw>
+              </a:effectLst>
+            </a:endParaRPr>
           </a:p>
         </p:txBody>
       </p:sp>
@@ -3136,40 +3681,89 @@
             <p:ph type="subTitle" idx="1"/>
           </p:nvPr>
         </p:nvSpPr>
-        <p:spPr/>
-        <p:txBody>
-          <a:bodyPr/>
+        <p:spPr>
+          <a:xfrm>
+            <a:off x="1086340" y="3366034"/>
+            <a:ext cx="7206566" cy="1752600"/>
+          </a:xfrm>
+        </p:spPr>
+        <p:txBody>
+          <a:bodyPr>
+            <a:normAutofit/>
+          </a:bodyPr>
           <a:lstStyle/>
           <a:p>
             <a:r>
-              <a:rPr kumimoji="1" lang="en-US" altLang="zh-TW" dirty="0" smtClean="0"/>
+              <a:rPr kumimoji="1" lang="en-US" altLang="zh-TW" sz="2800" dirty="0" smtClean="0"/>
               <a:t>Kristine </a:t>
             </a:r>
             <a:r>
-              <a:rPr kumimoji="1" lang="en-US" altLang="zh-TW" dirty="0" err="1" smtClean="0"/>
+              <a:rPr kumimoji="1" lang="en-US" altLang="zh-TW" sz="2800" dirty="0" err="1" smtClean="0"/>
               <a:t>Lan</a:t>
             </a:r>
             <a:r>
-              <a:rPr kumimoji="1" lang="en-US" altLang="zh-TW" dirty="0" smtClean="0"/>
+              <a:rPr kumimoji="1" lang="en-US" altLang="zh-TW" sz="2800" dirty="0" smtClean="0"/>
               <a:t>, </a:t>
             </a:r>
             <a:r>
-              <a:rPr kumimoji="1" lang="en-US" altLang="zh-TW" dirty="0" err="1" smtClean="0"/>
+              <a:rPr kumimoji="1" lang="en-US" altLang="zh-TW" sz="2800" dirty="0" err="1" smtClean="0"/>
               <a:t>Rushill</a:t>
             </a:r>
             <a:r>
-              <a:rPr kumimoji="1" lang="en-US" altLang="zh-TW" dirty="0" smtClean="0"/>
+              <a:rPr kumimoji="1" lang="en-US" altLang="zh-TW" sz="2800" dirty="0" smtClean="0"/>
               <a:t> </a:t>
             </a:r>
             <a:r>
-              <a:rPr kumimoji="1" lang="en-US" altLang="zh-TW" dirty="0" err="1" smtClean="0"/>
+              <a:rPr kumimoji="1" lang="en-US" altLang="zh-TW" sz="2800" dirty="0" err="1" smtClean="0"/>
               <a:t>Sheth</a:t>
             </a:r>
             <a:r>
-              <a:rPr kumimoji="1" lang="en-US" altLang="zh-TW" dirty="0" smtClean="0"/>
-              <a:t>, Michael Thompson</a:t>
-            </a:r>
-            <a:endParaRPr kumimoji="1" lang="zh-TW" altLang="en-US" dirty="0"/>
+              <a:rPr kumimoji="1" lang="en-US" altLang="zh-TW" sz="2800" dirty="0" smtClean="0"/>
+              <a:t>, Michael </a:t>
+            </a:r>
+            <a:r>
+              <a:rPr kumimoji="1" lang="en-US" altLang="zh-TW" sz="2800" dirty="0" smtClean="0"/>
+              <a:t>Thompson</a:t>
+            </a:r>
+          </a:p>
+          <a:p>
+            <a:r>
+              <a:rPr kumimoji="1" lang="en-US" altLang="zh-TW" sz="2800" dirty="0" smtClean="0"/>
+              <a:t>Advising by: </a:t>
+            </a:r>
+            <a:r>
+              <a:rPr kumimoji="1" lang="en-US" altLang="zh-TW" sz="2800" dirty="0" err="1" smtClean="0"/>
+              <a:t>Gon</a:t>
+            </a:r>
+            <a:r>
+              <a:rPr kumimoji="1" lang="en-US" altLang="zh-TW" sz="2800" dirty="0" err="1" smtClean="0"/>
+              <a:t>ç</a:t>
+            </a:r>
+            <a:r>
+              <a:rPr kumimoji="1" lang="en-US" altLang="zh-TW" sz="2800" dirty="0" err="1" smtClean="0"/>
+              <a:t>alo</a:t>
+            </a:r>
+            <a:r>
+              <a:rPr kumimoji="1" lang="en-US" altLang="zh-TW" sz="2800" dirty="0" smtClean="0"/>
+              <a:t> </a:t>
+            </a:r>
+            <a:r>
+              <a:rPr kumimoji="1" lang="en-US" altLang="zh-TW" sz="2800" dirty="0" err="1" smtClean="0"/>
+              <a:t>Abecasis</a:t>
+            </a:r>
+            <a:r>
+              <a:rPr kumimoji="1" lang="en-US" altLang="zh-TW" sz="2800" dirty="0" smtClean="0"/>
+              <a:t>, </a:t>
+            </a:r>
+            <a:r>
+              <a:rPr kumimoji="1" lang="en-US" altLang="zh-TW" sz="2800" dirty="0" err="1" smtClean="0"/>
+              <a:t>Sayantan</a:t>
+            </a:r>
+            <a:r>
+              <a:rPr kumimoji="1" lang="en-US" altLang="zh-TW" sz="2800" dirty="0" smtClean="0"/>
+              <a:t> Das, Hyun Min Kang</a:t>
+            </a:r>
+            <a:endParaRPr kumimoji="1" lang="zh-TW" altLang="en-US" sz="2800" dirty="0"/>
           </a:p>
         </p:txBody>
       </p:sp>
@@ -3183,6 +3777,13 @@
   <p:clrMapOvr>
     <a:masterClrMapping/>
   </p:clrMapOvr>
+  <p:timing>
+    <p:tnLst>
+      <p:par>
+        <p:cTn xmlns:p14="http://schemas.microsoft.com/office/powerpoint/2010/main" id="1" dur="indefinite" restart="never" nodeType="tmRoot"/>
+      </p:par>
+    </p:tnLst>
+  </p:timing>
 </p:sld>
 </file>
 
@@ -3203,6 +3804,32 @@
           <a:chExt cx="0" cy="0"/>
         </a:xfrm>
       </p:grpSpPr>
+      <p:pic>
+        <p:nvPicPr>
+          <p:cNvPr id="6" name="圖片 5"/>
+          <p:cNvPicPr>
+            <a:picLocks noChangeAspect="1"/>
+          </p:cNvPicPr>
+          <p:nvPr/>
+        </p:nvPicPr>
+        <p:blipFill>
+          <a:blip r:embed="rId3">
+            <a:alphaModFix amt="73000"/>
+          </a:blip>
+          <a:stretch>
+            <a:fillRect/>
+          </a:stretch>
+        </p:blipFill>
+        <p:spPr>
+          <a:xfrm>
+            <a:off x="5562063" y="3266563"/>
+            <a:ext cx="6249474" cy="3718437"/>
+          </a:xfrm>
+          <a:prstGeom prst="rect">
+            <a:avLst/>
+          </a:prstGeom>
+        </p:spPr>
+      </p:pic>
       <p:sp>
         <p:nvSpPr>
           <p:cNvPr id="2" name="標題 1"/>
@@ -3219,7 +3846,41 @@
           <a:lstStyle/>
           <a:p>
             <a:r>
-              <a:rPr kumimoji="1" lang="en-US" altLang="zh-TW" dirty="0" smtClean="0"/>
+              <a:rPr kumimoji="1" lang="en-US" altLang="zh-TW" b="1" dirty="0" smtClean="0">
+                <a:ln w="17780" cmpd="sng">
+                  <a:solidFill>
+                    <a:schemeClr val="accent1">
+                      <a:tint val="3000"/>
+                    </a:schemeClr>
+                  </a:solidFill>
+                  <a:prstDash val="solid"/>
+                  <a:miter lim="800000"/>
+                </a:ln>
+                <a:gradFill>
+                  <a:gsLst>
+                    <a:gs pos="10000">
+                      <a:schemeClr val="accent1">
+                        <a:tint val="63000"/>
+                        <a:sat val="105000"/>
+                      </a:schemeClr>
+                    </a:gs>
+                    <a:gs pos="90000">
+                      <a:schemeClr val="accent1">
+                        <a:shade val="50000"/>
+                        <a:satMod val="100000"/>
+                      </a:schemeClr>
+                    </a:gs>
+                  </a:gsLst>
+                  <a:lin ang="5400000"/>
+                </a:gradFill>
+                <a:effectLst>
+                  <a:outerShdw blurRad="55000" dist="50800" dir="5400000" algn="tl">
+                    <a:srgbClr val="000000">
+                      <a:alpha val="33000"/>
+                    </a:srgbClr>
+                  </a:outerShdw>
+                </a:effectLst>
+              </a:rPr>
               <a:t>Motivation</a:t>
             </a:r>
             <a:endParaRPr kumimoji="1" lang="zh-TW" altLang="en-US" dirty="0"/>
@@ -3243,8 +3904,32 @@
           <a:p>
             <a:r>
               <a:rPr kumimoji="1" lang="en-US" altLang="zh-TW" dirty="0" smtClean="0"/>
-              <a:t>Genome-wide association studies (GWAS)</a:t>
-            </a:r>
+              <a:t>Genome-wide association studies (GWAS</a:t>
+            </a:r>
+            <a:r>
+              <a:rPr kumimoji="1" lang="en-US" altLang="zh-TW" dirty="0" smtClean="0"/>
+              <a:t>) on rare genetic variants</a:t>
+            </a:r>
+          </a:p>
+          <a:p>
+            <a:r>
+              <a:rPr kumimoji="1" lang="en-US" altLang="zh-TW" dirty="0" smtClean="0"/>
+              <a:t>Increase precision and pattern detection by acquiring larger dataset</a:t>
+            </a:r>
+            <a:endParaRPr kumimoji="1" lang="en-US" altLang="zh-TW" dirty="0" smtClean="0"/>
+          </a:p>
+          <a:p>
+            <a:r>
+              <a:rPr kumimoji="1" lang="en-US" altLang="zh-TW" dirty="0" smtClean="0"/>
+              <a:t>Meta-analysis: “conducting research about previous research” </a:t>
+            </a:r>
+          </a:p>
+          <a:p>
+            <a:r>
+              <a:rPr kumimoji="1" lang="en-US" altLang="zh-TW" dirty="0" smtClean="0"/>
+              <a:t>Disease prevalence: 0.0001</a:t>
+            </a:r>
+            <a:endParaRPr kumimoji="1" lang="en-US" altLang="zh-TW" dirty="0" smtClean="0"/>
           </a:p>
           <a:p>
             <a:endParaRPr kumimoji="1" lang="zh-TW" altLang="en-US" dirty="0"/>
@@ -3261,6 +3946,13 @@
   <p:clrMapOvr>
     <a:masterClrMapping/>
   </p:clrMapOvr>
+  <p:timing>
+    <p:tnLst>
+      <p:par>
+        <p:cTn xmlns:p14="http://schemas.microsoft.com/office/powerpoint/2010/main" id="1" dur="indefinite" restart="never" nodeType="tmRoot"/>
+      </p:par>
+    </p:tnLst>
+  </p:timing>
 </p:sld>
 </file>
 
@@ -3297,46 +3989,1213 @@
           <a:lstStyle/>
           <a:p>
             <a:r>
+              <a:rPr kumimoji="1" lang="en-US" altLang="zh-TW" b="1" dirty="0" smtClean="0">
+                <a:ln w="17780" cmpd="sng">
+                  <a:solidFill>
+                    <a:schemeClr val="accent1">
+                      <a:tint val="3000"/>
+                    </a:schemeClr>
+                  </a:solidFill>
+                  <a:prstDash val="solid"/>
+                  <a:miter lim="800000"/>
+                </a:ln>
+                <a:gradFill>
+                  <a:gsLst>
+                    <a:gs pos="10000">
+                      <a:schemeClr val="accent1">
+                        <a:tint val="63000"/>
+                        <a:sat val="105000"/>
+                      </a:schemeClr>
+                    </a:gs>
+                    <a:gs pos="90000">
+                      <a:schemeClr val="accent1">
+                        <a:shade val="50000"/>
+                        <a:satMod val="100000"/>
+                      </a:schemeClr>
+                    </a:gs>
+                  </a:gsLst>
+                  <a:lin ang="5400000"/>
+                </a:gradFill>
+                <a:effectLst>
+                  <a:outerShdw blurRad="55000" dist="50800" dir="5400000" algn="tl">
+                    <a:srgbClr val="000000">
+                      <a:alpha val="33000"/>
+                    </a:srgbClr>
+                  </a:outerShdw>
+                </a:effectLst>
+              </a:rPr>
+              <a:t>Project Outline</a:t>
+            </a:r>
+            <a:endParaRPr kumimoji="1" lang="zh-TW" altLang="en-US" b="1" dirty="0">
+              <a:ln w="17780" cmpd="sng">
+                <a:solidFill>
+                  <a:schemeClr val="accent1">
+                    <a:tint val="3000"/>
+                  </a:schemeClr>
+                </a:solidFill>
+                <a:prstDash val="solid"/>
+                <a:miter lim="800000"/>
+              </a:ln>
+              <a:gradFill>
+                <a:gsLst>
+                  <a:gs pos="10000">
+                    <a:schemeClr val="accent1">
+                      <a:tint val="63000"/>
+                      <a:sat val="105000"/>
+                    </a:schemeClr>
+                  </a:gs>
+                  <a:gs pos="90000">
+                    <a:schemeClr val="accent1">
+                      <a:shade val="50000"/>
+                      <a:satMod val="100000"/>
+                    </a:schemeClr>
+                  </a:gs>
+                </a:gsLst>
+                <a:lin ang="5400000"/>
+              </a:gradFill>
+              <a:effectLst>
+                <a:outerShdw blurRad="55000" dist="50800" dir="5400000" algn="tl">
+                  <a:srgbClr val="000000">
+                    <a:alpha val="33000"/>
+                  </a:srgbClr>
+                </a:outerShdw>
+              </a:effectLst>
+            </a:endParaRPr>
+          </a:p>
+        </p:txBody>
+      </p:sp>
+      <p:graphicFrame>
+        <p:nvGraphicFramePr>
+          <p:cNvPr id="5" name="表格 4"/>
+          <p:cNvGraphicFramePr>
+            <a:graphicFrameLocks noGrp="1"/>
+          </p:cNvGraphicFramePr>
+          <p:nvPr>
+            <p:extLst>
+              <p:ext uri="{D42A27DB-BD31-4B8C-83A1-F6EECF244321}">
+                <p14:modId xmlns:p14="http://schemas.microsoft.com/office/powerpoint/2010/main" val="3976421958"/>
+              </p:ext>
+            </p:extLst>
+          </p:nvPr>
+        </p:nvGraphicFramePr>
+        <p:xfrm>
+          <a:off x="304195" y="1654635"/>
+          <a:ext cx="2247900" cy="1143000"/>
+        </p:xfrm>
+        <a:graphic>
+          <a:graphicData uri="http://schemas.openxmlformats.org/drawingml/2006/table">
+            <a:tbl>
+              <a:tblPr/>
+              <a:tblGrid>
+                <a:gridCol w="1079500"/>
+                <a:gridCol w="1168400"/>
+              </a:tblGrid>
+              <a:tr h="228600">
+                <a:tc>
+                  <a:txBody>
+                    <a:bodyPr/>
+                    <a:lstStyle/>
+                    <a:p>
+                      <a:pPr algn="ctr" fontAlgn="b"/>
+                      <a:r>
+                        <a:rPr lang="en-US" sz="1200" b="1" i="0" u="none" strike="noStrike">
+                          <a:solidFill>
+                            <a:srgbClr val="FFFFFF"/>
+                          </a:solidFill>
+                          <a:effectLst/>
+                          <a:latin typeface="Arial Black"/>
+                        </a:rPr>
+                        <a:t>Genotype</a:t>
+                      </a:r>
+                    </a:p>
+                  </a:txBody>
+                  <a:tcPr marL="12700" marR="12700" marT="12700" marB="0" anchor="b">
+                    <a:lnL w="6350" cap="flat" cmpd="sng" algn="ctr">
+                      <a:solidFill>
+                        <a:srgbClr val="4F81BD"/>
+                      </a:solidFill>
+                      <a:prstDash val="solid"/>
+                      <a:round/>
+                      <a:headEnd type="none" w="med" len="med"/>
+                      <a:tailEnd type="none" w="med" len="med"/>
+                    </a:lnL>
+                    <a:lnR>
+                      <a:noFill/>
+                    </a:lnR>
+                    <a:lnT w="6350" cap="flat" cmpd="sng" algn="ctr">
+                      <a:solidFill>
+                        <a:srgbClr val="4F81BD"/>
+                      </a:solidFill>
+                      <a:prstDash val="solid"/>
+                      <a:round/>
+                      <a:headEnd type="none" w="med" len="med"/>
+                      <a:tailEnd type="none" w="med" len="med"/>
+                    </a:lnT>
+                    <a:lnB w="6350" cap="flat" cmpd="sng" algn="ctr">
+                      <a:solidFill>
+                        <a:srgbClr val="4F81BD"/>
+                      </a:solidFill>
+                      <a:prstDash val="solid"/>
+                      <a:round/>
+                      <a:headEnd type="none" w="med" len="med"/>
+                      <a:tailEnd type="none" w="med" len="med"/>
+                    </a:lnB>
+                    <a:solidFill>
+                      <a:srgbClr val="4F81BD"/>
+                    </a:solidFill>
+                  </a:tcPr>
+                </a:tc>
+                <a:tc>
+                  <a:txBody>
+                    <a:bodyPr/>
+                    <a:lstStyle/>
+                    <a:p>
+                      <a:pPr algn="ctr" fontAlgn="b"/>
+                      <a:r>
+                        <a:rPr lang="en-US" sz="1200" b="1" i="0" u="none" strike="noStrike" dirty="0">
+                          <a:solidFill>
+                            <a:srgbClr val="FFFFFF"/>
+                          </a:solidFill>
+                          <a:effectLst/>
+                          <a:latin typeface="Arial Black"/>
+                        </a:rPr>
+                        <a:t>Phenotype</a:t>
+                      </a:r>
+                    </a:p>
+                  </a:txBody>
+                  <a:tcPr marL="12700" marR="12700" marT="12700" marB="0" anchor="b">
+                    <a:lnL>
+                      <a:noFill/>
+                    </a:lnL>
+                    <a:lnR w="6350" cap="flat" cmpd="sng" algn="ctr">
+                      <a:solidFill>
+                        <a:srgbClr val="4F81BD"/>
+                      </a:solidFill>
+                      <a:prstDash val="solid"/>
+                      <a:round/>
+                      <a:headEnd type="none" w="med" len="med"/>
+                      <a:tailEnd type="none" w="med" len="med"/>
+                    </a:lnR>
+                    <a:lnT w="6350" cap="flat" cmpd="sng" algn="ctr">
+                      <a:solidFill>
+                        <a:srgbClr val="4F81BD"/>
+                      </a:solidFill>
+                      <a:prstDash val="solid"/>
+                      <a:round/>
+                      <a:headEnd type="none" w="med" len="med"/>
+                      <a:tailEnd type="none" w="med" len="med"/>
+                    </a:lnT>
+                    <a:lnB w="6350" cap="flat" cmpd="sng" algn="ctr">
+                      <a:solidFill>
+                        <a:srgbClr val="4F81BD"/>
+                      </a:solidFill>
+                      <a:prstDash val="solid"/>
+                      <a:round/>
+                      <a:headEnd type="none" w="med" len="med"/>
+                      <a:tailEnd type="none" w="med" len="med"/>
+                    </a:lnB>
+                    <a:solidFill>
+                      <a:srgbClr val="4F81BD"/>
+                    </a:solidFill>
+                  </a:tcPr>
+                </a:tc>
+              </a:tr>
+              <a:tr h="228600">
+                <a:tc>
+                  <a:txBody>
+                    <a:bodyPr/>
+                    <a:lstStyle/>
+                    <a:p>
+                      <a:pPr algn="ctr" fontAlgn="ctr"/>
+                      <a:r>
+                        <a:rPr lang="en-US" altLang="zh-TW" sz="1200" b="0" i="0" u="none" strike="noStrike" dirty="0" err="1" smtClean="0">
+                          <a:solidFill>
+                            <a:srgbClr val="000000"/>
+                          </a:solidFill>
+                          <a:effectLst/>
+                          <a:latin typeface="Arial Black"/>
+                        </a:rPr>
+                        <a:t>aa</a:t>
+                      </a:r>
+                      <a:endParaRPr lang="en-US" altLang="zh-TW" sz="1200" b="0" i="0" u="none" strike="noStrike" dirty="0">
+                        <a:solidFill>
+                          <a:srgbClr val="000000"/>
+                        </a:solidFill>
+                        <a:effectLst/>
+                        <a:latin typeface="Arial Black"/>
+                      </a:endParaRPr>
+                    </a:p>
+                  </a:txBody>
+                  <a:tcPr marL="12700" marR="12700" marT="12700" marB="0" anchor="ctr">
+                    <a:lnL w="6350" cap="flat" cmpd="sng" algn="ctr">
+                      <a:solidFill>
+                        <a:srgbClr val="4F81BD"/>
+                      </a:solidFill>
+                      <a:prstDash val="solid"/>
+                      <a:round/>
+                      <a:headEnd type="none" w="med" len="med"/>
+                      <a:tailEnd type="none" w="med" len="med"/>
+                    </a:lnL>
+                    <a:lnR>
+                      <a:noFill/>
+                    </a:lnR>
+                    <a:lnT w="6350" cap="flat" cmpd="sng" algn="ctr">
+                      <a:solidFill>
+                        <a:srgbClr val="4F81BD"/>
+                      </a:solidFill>
+                      <a:prstDash val="solid"/>
+                      <a:round/>
+                      <a:headEnd type="none" w="med" len="med"/>
+                      <a:tailEnd type="none" w="med" len="med"/>
+                    </a:lnT>
+                    <a:lnB w="6350" cap="flat" cmpd="sng" algn="ctr">
+                      <a:solidFill>
+                        <a:srgbClr val="4F81BD"/>
+                      </a:solidFill>
+                      <a:prstDash val="solid"/>
+                      <a:round/>
+                      <a:headEnd type="none" w="med" len="med"/>
+                      <a:tailEnd type="none" w="med" len="med"/>
+                    </a:lnB>
+                  </a:tcPr>
+                </a:tc>
+                <a:tc>
+                  <a:txBody>
+                    <a:bodyPr/>
+                    <a:lstStyle/>
+                    <a:p>
+                      <a:pPr algn="ctr" fontAlgn="ctr"/>
+                      <a:r>
+                        <a:rPr lang="en-US" altLang="zh-TW" sz="1200" b="0" i="0" u="none" strike="noStrike" dirty="0" smtClean="0">
+                          <a:solidFill>
+                            <a:srgbClr val="000000"/>
+                          </a:solidFill>
+                          <a:effectLst/>
+                          <a:latin typeface="Arial Black"/>
+                        </a:rPr>
+                        <a:t>healthy</a:t>
+                      </a:r>
+                      <a:endParaRPr lang="en-US" altLang="zh-TW" sz="1200" b="0" i="0" u="none" strike="noStrike" dirty="0">
+                        <a:solidFill>
+                          <a:srgbClr val="000000"/>
+                        </a:solidFill>
+                        <a:effectLst/>
+                        <a:latin typeface="Arial Black"/>
+                      </a:endParaRPr>
+                    </a:p>
+                  </a:txBody>
+                  <a:tcPr marL="12700" marR="12700" marT="12700" marB="0" anchor="ctr">
+                    <a:lnL>
+                      <a:noFill/>
+                    </a:lnL>
+                    <a:lnR w="6350" cap="flat" cmpd="sng" algn="ctr">
+                      <a:solidFill>
+                        <a:srgbClr val="4F81BD"/>
+                      </a:solidFill>
+                      <a:prstDash val="solid"/>
+                      <a:round/>
+                      <a:headEnd type="none" w="med" len="med"/>
+                      <a:tailEnd type="none" w="med" len="med"/>
+                    </a:lnR>
+                    <a:lnT w="6350" cap="flat" cmpd="sng" algn="ctr">
+                      <a:solidFill>
+                        <a:srgbClr val="4F81BD"/>
+                      </a:solidFill>
+                      <a:prstDash val="solid"/>
+                      <a:round/>
+                      <a:headEnd type="none" w="med" len="med"/>
+                      <a:tailEnd type="none" w="med" len="med"/>
+                    </a:lnT>
+                    <a:lnB w="6350" cap="flat" cmpd="sng" algn="ctr">
+                      <a:solidFill>
+                        <a:srgbClr val="4F81BD"/>
+                      </a:solidFill>
+                      <a:prstDash val="solid"/>
+                      <a:round/>
+                      <a:headEnd type="none" w="med" len="med"/>
+                      <a:tailEnd type="none" w="med" len="med"/>
+                    </a:lnB>
+                  </a:tcPr>
+                </a:tc>
+              </a:tr>
+              <a:tr h="228600">
+                <a:tc>
+                  <a:txBody>
+                    <a:bodyPr/>
+                    <a:lstStyle/>
+                    <a:p>
+                      <a:pPr algn="ctr" fontAlgn="ctr"/>
+                      <a:r>
+                        <a:rPr lang="en-US" altLang="zh-TW" sz="1200" b="0" i="0" u="none" strike="noStrike" dirty="0" err="1" smtClean="0">
+                          <a:solidFill>
+                            <a:srgbClr val="000000"/>
+                          </a:solidFill>
+                          <a:effectLst/>
+                          <a:latin typeface="Arial Black"/>
+                        </a:rPr>
+                        <a:t>Aa</a:t>
+                      </a:r>
+                      <a:endParaRPr lang="en-US" altLang="zh-TW" sz="1200" b="0" i="0" u="none" strike="noStrike" dirty="0">
+                        <a:solidFill>
+                          <a:srgbClr val="000000"/>
+                        </a:solidFill>
+                        <a:effectLst/>
+                        <a:latin typeface="Arial Black"/>
+                      </a:endParaRPr>
+                    </a:p>
+                  </a:txBody>
+                  <a:tcPr marL="12700" marR="12700" marT="12700" marB="0" anchor="ctr">
+                    <a:lnL w="6350" cap="flat" cmpd="sng" algn="ctr">
+                      <a:solidFill>
+                        <a:srgbClr val="4F81BD"/>
+                      </a:solidFill>
+                      <a:prstDash val="solid"/>
+                      <a:round/>
+                      <a:headEnd type="none" w="med" len="med"/>
+                      <a:tailEnd type="none" w="med" len="med"/>
+                    </a:lnL>
+                    <a:lnR>
+                      <a:noFill/>
+                    </a:lnR>
+                    <a:lnT w="6350" cap="flat" cmpd="sng" algn="ctr">
+                      <a:solidFill>
+                        <a:srgbClr val="4F81BD"/>
+                      </a:solidFill>
+                      <a:prstDash val="solid"/>
+                      <a:round/>
+                      <a:headEnd type="none" w="med" len="med"/>
+                      <a:tailEnd type="none" w="med" len="med"/>
+                    </a:lnT>
+                    <a:lnB w="6350" cap="flat" cmpd="sng" algn="ctr">
+                      <a:solidFill>
+                        <a:srgbClr val="4F81BD"/>
+                      </a:solidFill>
+                      <a:prstDash val="solid"/>
+                      <a:round/>
+                      <a:headEnd type="none" w="med" len="med"/>
+                      <a:tailEnd type="none" w="med" len="med"/>
+                    </a:lnB>
+                  </a:tcPr>
+                </a:tc>
+                <a:tc>
+                  <a:txBody>
+                    <a:bodyPr/>
+                    <a:lstStyle/>
+                    <a:p>
+                      <a:pPr algn="ctr" fontAlgn="ctr"/>
+                      <a:r>
+                        <a:rPr lang="en-US" altLang="zh-TW" sz="1200" b="0" i="0" u="none" strike="noStrike" dirty="0" smtClean="0">
+                          <a:solidFill>
+                            <a:srgbClr val="000000"/>
+                          </a:solidFill>
+                          <a:effectLst/>
+                          <a:latin typeface="Arial Black"/>
+                        </a:rPr>
+                        <a:t>sick</a:t>
+                      </a:r>
+                      <a:endParaRPr lang="en-US" altLang="zh-TW" sz="1200" b="0" i="0" u="none" strike="noStrike" dirty="0">
+                        <a:solidFill>
+                          <a:srgbClr val="000000"/>
+                        </a:solidFill>
+                        <a:effectLst/>
+                        <a:latin typeface="Arial Black"/>
+                      </a:endParaRPr>
+                    </a:p>
+                  </a:txBody>
+                  <a:tcPr marL="12700" marR="12700" marT="12700" marB="0" anchor="ctr">
+                    <a:lnL>
+                      <a:noFill/>
+                    </a:lnL>
+                    <a:lnR w="6350" cap="flat" cmpd="sng" algn="ctr">
+                      <a:solidFill>
+                        <a:srgbClr val="4F81BD"/>
+                      </a:solidFill>
+                      <a:prstDash val="solid"/>
+                      <a:round/>
+                      <a:headEnd type="none" w="med" len="med"/>
+                      <a:tailEnd type="none" w="med" len="med"/>
+                    </a:lnR>
+                    <a:lnT w="6350" cap="flat" cmpd="sng" algn="ctr">
+                      <a:solidFill>
+                        <a:srgbClr val="4F81BD"/>
+                      </a:solidFill>
+                      <a:prstDash val="solid"/>
+                      <a:round/>
+                      <a:headEnd type="none" w="med" len="med"/>
+                      <a:tailEnd type="none" w="med" len="med"/>
+                    </a:lnT>
+                    <a:lnB w="6350" cap="flat" cmpd="sng" algn="ctr">
+                      <a:solidFill>
+                        <a:srgbClr val="4F81BD"/>
+                      </a:solidFill>
+                      <a:prstDash val="solid"/>
+                      <a:round/>
+                      <a:headEnd type="none" w="med" len="med"/>
+                      <a:tailEnd type="none" w="med" len="med"/>
+                    </a:lnB>
+                  </a:tcPr>
+                </a:tc>
+              </a:tr>
+              <a:tr h="228600">
+                <a:tc>
+                  <a:txBody>
+                    <a:bodyPr/>
+                    <a:lstStyle/>
+                    <a:p>
+                      <a:pPr algn="ctr" fontAlgn="ctr"/>
+                      <a:r>
+                        <a:rPr lang="en-US" altLang="zh-TW" sz="1200" b="0" i="0" u="none" strike="noStrike" dirty="0" smtClean="0">
+                          <a:solidFill>
+                            <a:srgbClr val="000000"/>
+                          </a:solidFill>
+                          <a:effectLst/>
+                          <a:latin typeface="Arial Black"/>
+                        </a:rPr>
+                        <a:t>AA</a:t>
+                      </a:r>
+                      <a:endParaRPr lang="en-US" altLang="zh-TW" sz="1200" b="0" i="0" u="none" strike="noStrike" dirty="0">
+                        <a:solidFill>
+                          <a:srgbClr val="000000"/>
+                        </a:solidFill>
+                        <a:effectLst/>
+                        <a:latin typeface="Arial Black"/>
+                      </a:endParaRPr>
+                    </a:p>
+                  </a:txBody>
+                  <a:tcPr marL="12700" marR="12700" marT="12700" marB="0" anchor="ctr">
+                    <a:lnL w="6350" cap="flat" cmpd="sng" algn="ctr">
+                      <a:solidFill>
+                        <a:srgbClr val="4F81BD"/>
+                      </a:solidFill>
+                      <a:prstDash val="solid"/>
+                      <a:round/>
+                      <a:headEnd type="none" w="med" len="med"/>
+                      <a:tailEnd type="none" w="med" len="med"/>
+                    </a:lnL>
+                    <a:lnR>
+                      <a:noFill/>
+                    </a:lnR>
+                    <a:lnT w="6350" cap="flat" cmpd="sng" algn="ctr">
+                      <a:solidFill>
+                        <a:srgbClr val="4F81BD"/>
+                      </a:solidFill>
+                      <a:prstDash val="solid"/>
+                      <a:round/>
+                      <a:headEnd type="none" w="med" len="med"/>
+                      <a:tailEnd type="none" w="med" len="med"/>
+                    </a:lnT>
+                    <a:lnB w="6350" cap="flat" cmpd="sng" algn="ctr">
+                      <a:solidFill>
+                        <a:srgbClr val="4F81BD"/>
+                      </a:solidFill>
+                      <a:prstDash val="solid"/>
+                      <a:round/>
+                      <a:headEnd type="none" w="med" len="med"/>
+                      <a:tailEnd type="none" w="med" len="med"/>
+                    </a:lnB>
+                  </a:tcPr>
+                </a:tc>
+                <a:tc>
+                  <a:txBody>
+                    <a:bodyPr/>
+                    <a:lstStyle/>
+                    <a:p>
+                      <a:pPr algn="ctr" fontAlgn="ctr"/>
+                      <a:r>
+                        <a:rPr lang="en-US" altLang="zh-TW" sz="1200" b="0" i="0" u="none" strike="noStrike" dirty="0" smtClean="0">
+                          <a:solidFill>
+                            <a:srgbClr val="000000"/>
+                          </a:solidFill>
+                          <a:effectLst/>
+                          <a:latin typeface="Arial Black"/>
+                        </a:rPr>
+                        <a:t>sick</a:t>
+                      </a:r>
+                      <a:endParaRPr lang="en-US" altLang="zh-TW" sz="1200" b="0" i="0" u="none" strike="noStrike" dirty="0">
+                        <a:solidFill>
+                          <a:srgbClr val="000000"/>
+                        </a:solidFill>
+                        <a:effectLst/>
+                        <a:latin typeface="Arial Black"/>
+                      </a:endParaRPr>
+                    </a:p>
+                  </a:txBody>
+                  <a:tcPr marL="12700" marR="12700" marT="12700" marB="0" anchor="ctr">
+                    <a:lnL>
+                      <a:noFill/>
+                    </a:lnL>
+                    <a:lnR w="6350" cap="flat" cmpd="sng" algn="ctr">
+                      <a:solidFill>
+                        <a:srgbClr val="4F81BD"/>
+                      </a:solidFill>
+                      <a:prstDash val="solid"/>
+                      <a:round/>
+                      <a:headEnd type="none" w="med" len="med"/>
+                      <a:tailEnd type="none" w="med" len="med"/>
+                    </a:lnR>
+                    <a:lnT w="6350" cap="flat" cmpd="sng" algn="ctr">
+                      <a:solidFill>
+                        <a:srgbClr val="4F81BD"/>
+                      </a:solidFill>
+                      <a:prstDash val="solid"/>
+                      <a:round/>
+                      <a:headEnd type="none" w="med" len="med"/>
+                      <a:tailEnd type="none" w="med" len="med"/>
+                    </a:lnT>
+                    <a:lnB w="6350" cap="flat" cmpd="sng" algn="ctr">
+                      <a:solidFill>
+                        <a:srgbClr val="4F81BD"/>
+                      </a:solidFill>
+                      <a:prstDash val="solid"/>
+                      <a:round/>
+                      <a:headEnd type="none" w="med" len="med"/>
+                      <a:tailEnd type="none" w="med" len="med"/>
+                    </a:lnB>
+                  </a:tcPr>
+                </a:tc>
+              </a:tr>
+              <a:tr h="228600">
+                <a:tc>
+                  <a:txBody>
+                    <a:bodyPr/>
+                    <a:lstStyle/>
+                    <a:p>
+                      <a:pPr algn="ctr" fontAlgn="ctr"/>
+                      <a:r>
+                        <a:rPr lang="en-US" altLang="zh-TW" sz="1200" b="0" i="0" u="none" strike="noStrike" dirty="0" err="1" smtClean="0">
+                          <a:solidFill>
+                            <a:srgbClr val="000000"/>
+                          </a:solidFill>
+                          <a:effectLst/>
+                          <a:latin typeface="Arial Black"/>
+                        </a:rPr>
+                        <a:t>Aa</a:t>
+                      </a:r>
+                      <a:endParaRPr lang="en-US" altLang="zh-TW" sz="1200" b="0" i="0" u="none" strike="noStrike" dirty="0">
+                        <a:solidFill>
+                          <a:srgbClr val="000000"/>
+                        </a:solidFill>
+                        <a:effectLst/>
+                        <a:latin typeface="Arial Black"/>
+                      </a:endParaRPr>
+                    </a:p>
+                  </a:txBody>
+                  <a:tcPr marL="12700" marR="12700" marT="12700" marB="0" anchor="ctr">
+                    <a:lnL w="6350" cap="flat" cmpd="sng" algn="ctr">
+                      <a:solidFill>
+                        <a:srgbClr val="4F81BD"/>
+                      </a:solidFill>
+                      <a:prstDash val="solid"/>
+                      <a:round/>
+                      <a:headEnd type="none" w="med" len="med"/>
+                      <a:tailEnd type="none" w="med" len="med"/>
+                    </a:lnL>
+                    <a:lnR>
+                      <a:noFill/>
+                    </a:lnR>
+                    <a:lnT w="6350" cap="flat" cmpd="sng" algn="ctr">
+                      <a:solidFill>
+                        <a:srgbClr val="4F81BD"/>
+                      </a:solidFill>
+                      <a:prstDash val="solid"/>
+                      <a:round/>
+                      <a:headEnd type="none" w="med" len="med"/>
+                      <a:tailEnd type="none" w="med" len="med"/>
+                    </a:lnT>
+                    <a:lnB w="6350" cap="flat" cmpd="sng" algn="ctr">
+                      <a:solidFill>
+                        <a:srgbClr val="4F81BD"/>
+                      </a:solidFill>
+                      <a:prstDash val="solid"/>
+                      <a:round/>
+                      <a:headEnd type="none" w="med" len="med"/>
+                      <a:tailEnd type="none" w="med" len="med"/>
+                    </a:lnB>
+                  </a:tcPr>
+                </a:tc>
+                <a:tc>
+                  <a:txBody>
+                    <a:bodyPr/>
+                    <a:lstStyle/>
+                    <a:p>
+                      <a:pPr algn="ctr" fontAlgn="ctr"/>
+                      <a:r>
+                        <a:rPr lang="en-US" altLang="zh-TW" sz="1200" b="0" i="0" u="none" strike="noStrike" dirty="0" smtClean="0">
+                          <a:solidFill>
+                            <a:srgbClr val="000000"/>
+                          </a:solidFill>
+                          <a:effectLst/>
+                          <a:latin typeface="Arial Black"/>
+                        </a:rPr>
+                        <a:t>healthy</a:t>
+                      </a:r>
+                      <a:endParaRPr lang="en-US" altLang="zh-TW" sz="1200" b="0" i="0" u="none" strike="noStrike" dirty="0">
+                        <a:solidFill>
+                          <a:srgbClr val="000000"/>
+                        </a:solidFill>
+                        <a:effectLst/>
+                        <a:latin typeface="Arial Black"/>
+                      </a:endParaRPr>
+                    </a:p>
+                  </a:txBody>
+                  <a:tcPr marL="12700" marR="12700" marT="12700" marB="0" anchor="ctr">
+                    <a:lnL>
+                      <a:noFill/>
+                    </a:lnL>
+                    <a:lnR w="6350" cap="flat" cmpd="sng" algn="ctr">
+                      <a:solidFill>
+                        <a:srgbClr val="4F81BD"/>
+                      </a:solidFill>
+                      <a:prstDash val="solid"/>
+                      <a:round/>
+                      <a:headEnd type="none" w="med" len="med"/>
+                      <a:tailEnd type="none" w="med" len="med"/>
+                    </a:lnR>
+                    <a:lnT w="6350" cap="flat" cmpd="sng" algn="ctr">
+                      <a:solidFill>
+                        <a:srgbClr val="4F81BD"/>
+                      </a:solidFill>
+                      <a:prstDash val="solid"/>
+                      <a:round/>
+                      <a:headEnd type="none" w="med" len="med"/>
+                      <a:tailEnd type="none" w="med" len="med"/>
+                    </a:lnT>
+                    <a:lnB w="6350" cap="flat" cmpd="sng" algn="ctr">
+                      <a:solidFill>
+                        <a:srgbClr val="4F81BD"/>
+                      </a:solidFill>
+                      <a:prstDash val="solid"/>
+                      <a:round/>
+                      <a:headEnd type="none" w="med" len="med"/>
+                      <a:tailEnd type="none" w="med" len="med"/>
+                    </a:lnB>
+                  </a:tcPr>
+                </a:tc>
+              </a:tr>
+            </a:tbl>
+          </a:graphicData>
+        </a:graphic>
+      </p:graphicFrame>
+      <p:sp>
+        <p:nvSpPr>
+          <p:cNvPr id="9" name="文字方塊 8"/>
+          <p:cNvSpPr txBox="1"/>
+          <p:nvPr/>
+        </p:nvSpPr>
+        <p:spPr>
+          <a:xfrm>
+            <a:off x="763212" y="2858862"/>
+            <a:ext cx="1184527" cy="369332"/>
+          </a:xfrm>
+          <a:prstGeom prst="rect">
+            <a:avLst/>
+          </a:prstGeom>
+          <a:noFill/>
+        </p:spPr>
+        <p:txBody>
+          <a:bodyPr wrap="none" rtlCol="0">
+            <a:spAutoFit/>
+          </a:bodyPr>
+          <a:lstStyle/>
+          <a:p>
+            <a:r>
               <a:rPr kumimoji="1" lang="en-US" altLang="zh-TW" dirty="0" smtClean="0"/>
-              <a:t>Project Outline</a:t>
+              <a:t>Simulation</a:t>
+            </a:r>
+          </a:p>
+        </p:txBody>
+      </p:sp>
+      <p:sp>
+        <p:nvSpPr>
+          <p:cNvPr id="11" name="向右箭號 10"/>
+          <p:cNvSpPr/>
+          <p:nvPr/>
+        </p:nvSpPr>
+        <p:spPr>
+          <a:xfrm>
+            <a:off x="2800004" y="1988935"/>
+            <a:ext cx="1881970" cy="671034"/>
+          </a:xfrm>
+          <a:prstGeom prst="stripedRightArrow">
+            <a:avLst/>
+          </a:prstGeom>
+        </p:spPr>
+        <p:style>
+          <a:lnRef idx="1">
+            <a:schemeClr val="accent1"/>
+          </a:lnRef>
+          <a:fillRef idx="3">
+            <a:schemeClr val="accent1"/>
+          </a:fillRef>
+          <a:effectRef idx="2">
+            <a:schemeClr val="accent1"/>
+          </a:effectRef>
+          <a:fontRef idx="minor">
+            <a:schemeClr val="lt1"/>
+          </a:fontRef>
+        </p:style>
+        <p:txBody>
+          <a:bodyPr rtlCol="0" anchor="ctr"/>
+          <a:lstStyle/>
+          <a:p>
+            <a:pPr algn="ctr"/>
+            <a:r>
+              <a:rPr kumimoji="1" lang="en-US" altLang="zh-TW" dirty="0" smtClean="0"/>
+              <a:t>Apply data to    </a:t>
             </a:r>
             <a:endParaRPr kumimoji="1" lang="zh-TW" altLang="en-US" dirty="0"/>
           </a:p>
         </p:txBody>
       </p:sp>
-      <p:sp>
-        <p:nvSpPr>
-          <p:cNvPr id="3" name="內容版面配置區 2"/>
-          <p:cNvSpPr>
-            <a:spLocks noGrp="1"/>
-          </p:cNvSpPr>
-          <p:nvPr>
-            <p:ph idx="1"/>
-          </p:nvPr>
-        </p:nvSpPr>
-        <p:spPr/>
-        <p:txBody>
-          <a:bodyPr/>
+      <p:graphicFrame>
+        <p:nvGraphicFramePr>
+          <p:cNvPr id="12" name="表格 11"/>
+          <p:cNvGraphicFramePr>
+            <a:graphicFrameLocks noGrp="1"/>
+          </p:cNvGraphicFramePr>
+          <p:nvPr>
+            <p:extLst>
+              <p:ext uri="{D42A27DB-BD31-4B8C-83A1-F6EECF244321}">
+                <p14:modId xmlns:p14="http://schemas.microsoft.com/office/powerpoint/2010/main" val="1485374515"/>
+              </p:ext>
+            </p:extLst>
+          </p:nvPr>
+        </p:nvGraphicFramePr>
+        <p:xfrm>
+          <a:off x="5018130" y="1654635"/>
+          <a:ext cx="1993900" cy="1399604"/>
+        </p:xfrm>
+        <a:graphic>
+          <a:graphicData uri="http://schemas.openxmlformats.org/drawingml/2006/table">
+            <a:tbl>
+              <a:tblPr/>
+              <a:tblGrid>
+                <a:gridCol w="1993900"/>
+              </a:tblGrid>
+              <a:tr h="349901">
+                <a:tc>
+                  <a:txBody>
+                    <a:bodyPr/>
+                    <a:lstStyle/>
+                    <a:p>
+                      <a:pPr algn="l" fontAlgn="b"/>
+                      <a:r>
+                        <a:rPr lang="en-US" sz="1200" b="0" i="0" u="none" strike="noStrike" dirty="0">
+                          <a:solidFill>
+                            <a:srgbClr val="000000"/>
+                          </a:solidFill>
+                          <a:effectLst/>
+                          <a:latin typeface="Arial Black"/>
+                        </a:rPr>
+                        <a:t>Logistic Regression</a:t>
+                      </a:r>
+                    </a:p>
+                  </a:txBody>
+                  <a:tcPr marL="12700" marR="12700" marT="12700" marB="0" anchor="b">
+                    <a:lnL>
+                      <a:noFill/>
+                    </a:lnL>
+                    <a:lnR>
+                      <a:noFill/>
+                    </a:lnR>
+                    <a:lnT>
+                      <a:noFill/>
+                    </a:lnT>
+                    <a:lnB>
+                      <a:noFill/>
+                    </a:lnB>
+                  </a:tcPr>
+                </a:tc>
+              </a:tr>
+              <a:tr h="349901">
+                <a:tc>
+                  <a:txBody>
+                    <a:bodyPr/>
+                    <a:lstStyle/>
+                    <a:p>
+                      <a:pPr algn="l" fontAlgn="b"/>
+                      <a:r>
+                        <a:rPr lang="en-US" sz="1200" b="0" i="0" u="none" strike="noStrike">
+                          <a:solidFill>
+                            <a:srgbClr val="000000"/>
+                          </a:solidFill>
+                          <a:effectLst/>
+                          <a:latin typeface="Arial Black"/>
+                        </a:rPr>
+                        <a:t>Score Test</a:t>
+                      </a:r>
+                    </a:p>
+                  </a:txBody>
+                  <a:tcPr marL="12700" marR="12700" marT="12700" marB="0" anchor="b">
+                    <a:lnL>
+                      <a:noFill/>
+                    </a:lnL>
+                    <a:lnR>
+                      <a:noFill/>
+                    </a:lnR>
+                    <a:lnT>
+                      <a:noFill/>
+                    </a:lnT>
+                    <a:lnB>
+                      <a:noFill/>
+                    </a:lnB>
+                  </a:tcPr>
+                </a:tc>
+              </a:tr>
+              <a:tr h="349901">
+                <a:tc>
+                  <a:txBody>
+                    <a:bodyPr/>
+                    <a:lstStyle/>
+                    <a:p>
+                      <a:pPr algn="l" fontAlgn="b"/>
+                      <a:r>
+                        <a:rPr lang="en-US" sz="1200" b="0" i="0" u="none" strike="noStrike">
+                          <a:solidFill>
+                            <a:srgbClr val="000000"/>
+                          </a:solidFill>
+                          <a:effectLst/>
+                          <a:latin typeface="Arial Black"/>
+                        </a:rPr>
+                        <a:t>Allele  Proportion Test</a:t>
+                      </a:r>
+                    </a:p>
+                  </a:txBody>
+                  <a:tcPr marL="12700" marR="12700" marT="12700" marB="0" anchor="b">
+                    <a:lnL>
+                      <a:noFill/>
+                    </a:lnL>
+                    <a:lnR>
+                      <a:noFill/>
+                    </a:lnR>
+                    <a:lnT>
+                      <a:noFill/>
+                    </a:lnT>
+                    <a:lnB>
+                      <a:noFill/>
+                    </a:lnB>
+                  </a:tcPr>
+                </a:tc>
+              </a:tr>
+              <a:tr h="349901">
+                <a:tc>
+                  <a:txBody>
+                    <a:bodyPr/>
+                    <a:lstStyle/>
+                    <a:p>
+                      <a:pPr algn="l" fontAlgn="b"/>
+                      <a:r>
+                        <a:rPr lang="en-US" sz="1200" b="0" i="0" u="none" strike="noStrike" dirty="0">
+                          <a:solidFill>
+                            <a:srgbClr val="000000"/>
+                          </a:solidFill>
+                          <a:effectLst/>
+                          <a:latin typeface="Arial Black"/>
+                        </a:rPr>
+                        <a:t>Chi-squared Tests</a:t>
+                      </a:r>
+                    </a:p>
+                  </a:txBody>
+                  <a:tcPr marL="12700" marR="12700" marT="12700" marB="0" anchor="b">
+                    <a:lnL>
+                      <a:noFill/>
+                    </a:lnL>
+                    <a:lnR>
+                      <a:noFill/>
+                    </a:lnR>
+                    <a:lnT>
+                      <a:noFill/>
+                    </a:lnT>
+                    <a:lnB>
+                      <a:noFill/>
+                    </a:lnB>
+                  </a:tcPr>
+                </a:tc>
+              </a:tr>
+            </a:tbl>
+          </a:graphicData>
+        </a:graphic>
+      </p:graphicFrame>
+      <p:pic>
+        <p:nvPicPr>
+          <p:cNvPr id="14" name="圖片 13"/>
+          <p:cNvPicPr>
+            <a:picLocks noChangeAspect="1"/>
+          </p:cNvPicPr>
+          <p:nvPr/>
+        </p:nvPicPr>
+        <p:blipFill>
+          <a:blip r:embed="rId2">
+            <a:extLst>
+              <a:ext uri="{28A0092B-C50C-407E-A947-70E740481C1C}">
+                <a14:useLocalDpi xmlns:a14="http://schemas.microsoft.com/office/drawing/2010/main" val="0"/>
+              </a:ext>
+            </a:extLst>
+          </a:blip>
+          <a:stretch>
+            <a:fillRect/>
+          </a:stretch>
+        </p:blipFill>
+        <p:spPr>
+          <a:xfrm>
+            <a:off x="4467772" y="3470542"/>
+            <a:ext cx="4012982" cy="2938875"/>
+          </a:xfrm>
+          <a:prstGeom prst="rect">
+            <a:avLst/>
+          </a:prstGeom>
+        </p:spPr>
+      </p:pic>
+      <p:sp>
+        <p:nvSpPr>
+          <p:cNvPr id="13" name="弧形向左鍵 12"/>
+          <p:cNvSpPr/>
+          <p:nvPr/>
+        </p:nvSpPr>
+        <p:spPr>
+          <a:xfrm>
+            <a:off x="7619681" y="2272434"/>
+            <a:ext cx="1331149" cy="1911520"/>
+          </a:xfrm>
+          <a:prstGeom prst="curvedLeftArrow">
+            <a:avLst/>
+          </a:prstGeom>
+        </p:spPr>
+        <p:style>
+          <a:lnRef idx="1">
+            <a:schemeClr val="accent1"/>
+          </a:lnRef>
+          <a:fillRef idx="3">
+            <a:schemeClr val="accent1"/>
+          </a:fillRef>
+          <a:effectRef idx="2">
+            <a:schemeClr val="accent1"/>
+          </a:effectRef>
+          <a:fontRef idx="minor">
+            <a:schemeClr val="lt1"/>
+          </a:fontRef>
+        </p:style>
+        <p:txBody>
+          <a:bodyPr rtlCol="0" anchor="ctr"/>
           <a:lstStyle/>
           <a:p>
+            <a:pPr algn="ctr"/>
+            <a:r>
+              <a:rPr kumimoji="1" lang="en-US" altLang="zh-TW" dirty="0" smtClean="0">
+                <a:solidFill>
+                  <a:srgbClr val="262626"/>
+                </a:solidFill>
+              </a:rPr>
+              <a:t>Acquire </a:t>
+            </a:r>
+          </a:p>
+          <a:p>
+            <a:pPr algn="ctr"/>
+            <a:r>
+              <a:rPr kumimoji="1" lang="en-US" altLang="zh-TW" dirty="0" smtClean="0">
+                <a:solidFill>
+                  <a:srgbClr val="262626"/>
+                </a:solidFill>
+              </a:rPr>
+              <a:t>p-value</a:t>
+            </a:r>
+            <a:endParaRPr kumimoji="1" lang="zh-TW" altLang="en-US" dirty="0">
+              <a:solidFill>
+                <a:srgbClr val="262626"/>
+              </a:solidFill>
+            </a:endParaRPr>
+          </a:p>
+        </p:txBody>
+      </p:sp>
+      <p:sp>
+        <p:nvSpPr>
+          <p:cNvPr id="15" name="向左箭號 14"/>
+          <p:cNvSpPr/>
+          <p:nvPr/>
+        </p:nvSpPr>
+        <p:spPr>
+          <a:xfrm>
+            <a:off x="2406763" y="4559250"/>
+            <a:ext cx="2091611" cy="841473"/>
+          </a:xfrm>
+          <a:prstGeom prst="leftArrow">
+            <a:avLst/>
+          </a:prstGeom>
+        </p:spPr>
+        <p:style>
+          <a:lnRef idx="1">
+            <a:schemeClr val="accent1"/>
+          </a:lnRef>
+          <a:fillRef idx="3">
+            <a:schemeClr val="accent1"/>
+          </a:fillRef>
+          <a:effectRef idx="2">
+            <a:schemeClr val="accent1"/>
+          </a:effectRef>
+          <a:fontRef idx="minor">
+            <a:schemeClr val="lt1"/>
+          </a:fontRef>
+        </p:style>
+        <p:txBody>
+          <a:bodyPr rtlCol="0" anchor="ctr"/>
+          <a:lstStyle/>
+          <a:p>
+            <a:pPr algn="ctr"/>
+            <a:r>
+              <a:rPr kumimoji="1" lang="en-US" altLang="zh-TW" dirty="0" smtClean="0">
+                <a:solidFill>
+                  <a:schemeClr val="bg1"/>
+                </a:solidFill>
+              </a:rPr>
+              <a:t>Ideal test</a:t>
+            </a:r>
+          </a:p>
+          <a:p>
+            <a:pPr algn="ctr"/>
+            <a:r>
+              <a:rPr kumimoji="1" lang="en-US" altLang="zh-TW" dirty="0">
+                <a:solidFill>
+                  <a:schemeClr val="bg1"/>
+                </a:solidFill>
+              </a:rPr>
+              <a:t>f</a:t>
+            </a:r>
+            <a:r>
+              <a:rPr kumimoji="1" lang="en-US" altLang="zh-TW" dirty="0" smtClean="0">
+                <a:solidFill>
+                  <a:schemeClr val="bg1"/>
+                </a:solidFill>
+              </a:rPr>
+              <a:t>or meta-analysis</a:t>
+            </a:r>
+            <a:endParaRPr kumimoji="1" lang="zh-TW" altLang="en-US" dirty="0">
+              <a:solidFill>
+                <a:schemeClr val="bg1"/>
+              </a:solidFill>
+            </a:endParaRPr>
+          </a:p>
+        </p:txBody>
+      </p:sp>
+      <p:sp>
+        <p:nvSpPr>
+          <p:cNvPr id="16" name="雲形 15"/>
+          <p:cNvSpPr/>
+          <p:nvPr/>
+        </p:nvSpPr>
+        <p:spPr>
+          <a:xfrm>
+            <a:off x="91806" y="4221744"/>
+            <a:ext cx="2238455" cy="1736952"/>
+          </a:xfrm>
+          <a:prstGeom prst="cloud">
+            <a:avLst/>
+          </a:prstGeom>
+          <a:gradFill flip="none" rotWithShape="1">
+            <a:gsLst>
+              <a:gs pos="0">
+                <a:schemeClr val="accent1">
+                  <a:tint val="100000"/>
+                  <a:shade val="100000"/>
+                  <a:satMod val="130000"/>
+                  <a:alpha val="0"/>
+                </a:schemeClr>
+              </a:gs>
+              <a:gs pos="100000">
+                <a:schemeClr val="accent1">
+                  <a:tint val="50000"/>
+                  <a:shade val="100000"/>
+                  <a:satMod val="350000"/>
+                  <a:alpha val="0"/>
+                </a:schemeClr>
+              </a:gs>
+            </a:gsLst>
+            <a:lin ang="16200000" scaled="0"/>
+            <a:tileRect/>
+          </a:gradFill>
+        </p:spPr>
+        <p:style>
+          <a:lnRef idx="1">
+            <a:schemeClr val="accent1"/>
+          </a:lnRef>
+          <a:fillRef idx="3">
+            <a:schemeClr val="accent1"/>
+          </a:fillRef>
+          <a:effectRef idx="2">
+            <a:schemeClr val="accent1"/>
+          </a:effectRef>
+          <a:fontRef idx="minor">
+            <a:schemeClr val="lt1"/>
+          </a:fontRef>
+        </p:style>
+        <p:txBody>
+          <a:bodyPr rtlCol="0" anchor="ctr"/>
+          <a:lstStyle/>
+          <a:p>
+            <a:pPr algn="ctr"/>
+            <a:r>
+              <a:rPr kumimoji="1" lang="en-US" altLang="zh-TW" dirty="0" smtClean="0">
+                <a:solidFill>
+                  <a:schemeClr val="tx1"/>
+                </a:solidFill>
+              </a:rPr>
+              <a:t>-parameters</a:t>
+            </a:r>
+          </a:p>
+          <a:p>
+            <a:pPr algn="ctr"/>
+            <a:r>
+              <a:rPr kumimoji="1" lang="en-US" altLang="zh-TW" dirty="0" smtClean="0">
+                <a:solidFill>
+                  <a:schemeClr val="tx1"/>
+                </a:solidFill>
+              </a:rPr>
+              <a:t>-weights</a:t>
+            </a:r>
+          </a:p>
+          <a:p>
+            <a:pPr algn="ctr"/>
+            <a:r>
+              <a:rPr kumimoji="1" lang="en-US" altLang="zh-TW" dirty="0" smtClean="0">
+                <a:solidFill>
+                  <a:schemeClr val="tx1"/>
+                </a:solidFill>
+              </a:rPr>
+              <a:t>-minimization</a:t>
+            </a:r>
+            <a:endParaRPr kumimoji="1" lang="zh-TW" altLang="en-US" dirty="0">
+              <a:solidFill>
+                <a:schemeClr val="tx1"/>
+              </a:solidFill>
+            </a:endParaRPr>
+          </a:p>
+        </p:txBody>
+      </p:sp>
+      <p:sp>
+        <p:nvSpPr>
+          <p:cNvPr id="17" name="文字方塊 16"/>
+          <p:cNvSpPr txBox="1"/>
+          <p:nvPr/>
+        </p:nvSpPr>
+        <p:spPr>
+          <a:xfrm>
+            <a:off x="5523511" y="6409418"/>
+            <a:ext cx="1370049" cy="369332"/>
+          </a:xfrm>
+          <a:prstGeom prst="rect">
+            <a:avLst/>
+          </a:prstGeom>
+          <a:noFill/>
+        </p:spPr>
+        <p:txBody>
+          <a:bodyPr wrap="none" rtlCol="0">
+            <a:spAutoFit/>
+          </a:bodyPr>
+          <a:lstStyle/>
+          <a:p>
             <a:r>
               <a:rPr kumimoji="1" lang="en-US" altLang="zh-TW" dirty="0" smtClean="0"/>
-              <a:t>Simulate genotype and phenotype data</a:t>
-            </a:r>
-          </a:p>
-          <a:p>
-            <a:r>
-              <a:rPr kumimoji="1" lang="en-US" altLang="zh-TW" dirty="0" smtClean="0"/>
-              <a:t>Implement power tests</a:t>
-            </a:r>
-          </a:p>
-          <a:p>
-            <a:r>
-              <a:rPr kumimoji="1" lang="en-US" altLang="zh-TW" dirty="0" smtClean="0"/>
-              <a:t>Generate data sets</a:t>
-            </a:r>
-          </a:p>
-          <a:p>
+              <a:t>Visualization</a:t>
+            </a:r>
             <a:endParaRPr kumimoji="1" lang="zh-TW" altLang="en-US" dirty="0"/>
           </a:p>
         </p:txBody>
@@ -3351,6 +5210,13 @@
   <p:clrMapOvr>
     <a:masterClrMapping/>
   </p:clrMapOvr>
+  <p:timing>
+    <p:tnLst>
+      <p:par>
+        <p:cTn xmlns:p14="http://schemas.microsoft.com/office/powerpoint/2010/main" id="1" dur="indefinite" restart="never" nodeType="tmRoot"/>
+      </p:par>
+    </p:tnLst>
+  </p:timing>
 </p:sld>
 </file>
 
@@ -3371,70 +5237,52 @@
           <a:chExt cx="0" cy="0"/>
         </a:xfrm>
       </p:grpSpPr>
-      <p:sp>
-        <p:nvSpPr>
-          <p:cNvPr id="2" name="標題 1"/>
-          <p:cNvSpPr>
-            <a:spLocks noGrp="1"/>
-          </p:cNvSpPr>
-          <p:nvPr>
-            <p:ph type="title"/>
-          </p:nvPr>
-        </p:nvSpPr>
-        <p:spPr/>
-        <p:txBody>
-          <a:bodyPr/>
-          <a:lstStyle/>
-          <a:p>
-            <a:r>
-              <a:rPr kumimoji="1" lang="en-US" altLang="zh-TW" dirty="0" smtClean="0"/>
-              <a:t>Goals</a:t>
-            </a:r>
-            <a:endParaRPr kumimoji="1" lang="zh-TW" altLang="en-US" dirty="0"/>
-          </a:p>
-        </p:txBody>
-      </p:sp>
-      <p:sp>
-        <p:nvSpPr>
-          <p:cNvPr id="3" name="內容版面配置區 2"/>
-          <p:cNvSpPr>
-            <a:spLocks noGrp="1"/>
-          </p:cNvSpPr>
+      <p:pic>
+        <p:nvPicPr>
+          <p:cNvPr id="5" name="內容版面配置區 4"/>
+          <p:cNvPicPr>
+            <a:picLocks noGrp="1" noChangeAspect="1"/>
+          </p:cNvPicPr>
           <p:nvPr>
             <p:ph idx="1"/>
           </p:nvPr>
-        </p:nvSpPr>
-        <p:spPr/>
-        <p:txBody>
-          <a:bodyPr/>
-          <a:lstStyle/>
-          <a:p>
-            <a:r>
-              <a:rPr kumimoji="1" lang="en-US" altLang="zh-TW" dirty="0" smtClean="0"/>
-              <a:t>Generate simulations</a:t>
-            </a:r>
-          </a:p>
-          <a:p>
-            <a:r>
-              <a:rPr kumimoji="1" lang="en-US" altLang="zh-TW" dirty="0" smtClean="0"/>
-              <a:t>Identify ideal weights for combining studies</a:t>
-            </a:r>
-          </a:p>
-          <a:p>
-            <a:endParaRPr kumimoji="1" lang="zh-TW" altLang="en-US" dirty="0"/>
-          </a:p>
-        </p:txBody>
-      </p:sp>
+        </p:nvPicPr>
+        <p:blipFill>
+          <a:blip r:embed="rId2">
+            <a:extLst>
+              <a:ext uri="{28A0092B-C50C-407E-A947-70E740481C1C}">
+                <a14:useLocalDpi xmlns:a14="http://schemas.microsoft.com/office/drawing/2010/main" val="0"/>
+              </a:ext>
+            </a:extLst>
+          </a:blip>
+          <a:stretch>
+            <a:fillRect/>
+          </a:stretch>
+        </p:blipFill>
+        <p:spPr>
+          <a:xfrm>
+            <a:off x="168306" y="140064"/>
+            <a:ext cx="9309069" cy="6817422"/>
+          </a:xfrm>
+        </p:spPr>
+      </p:pic>
     </p:spTree>
     <p:extLst>
       <p:ext uri="{BB962C8B-B14F-4D97-AF65-F5344CB8AC3E}">
-        <p14:creationId xmlns:p14="http://schemas.microsoft.com/office/powerpoint/2010/main" val="3780858393"/>
+        <p14:creationId xmlns:p14="http://schemas.microsoft.com/office/powerpoint/2010/main" val="2744488668"/>
       </p:ext>
     </p:extLst>
   </p:cSld>
   <p:clrMapOvr>
     <a:masterClrMapping/>
   </p:clrMapOvr>
+  <p:timing>
+    <p:tnLst>
+      <p:par>
+        <p:cTn xmlns:p14="http://schemas.microsoft.com/office/powerpoint/2010/main" id="1" dur="indefinite" restart="never" nodeType="tmRoot"/>
+      </p:par>
+    </p:tnLst>
+  </p:timing>
 </p:sld>
 </file>
 
@@ -3471,10 +5319,116 @@
           <a:lstStyle/>
           <a:p>
             <a:r>
-              <a:rPr kumimoji="1" lang="en-US" altLang="zh-TW" dirty="0" smtClean="0"/>
-              <a:t>What we Learned</a:t>
-            </a:r>
-            <a:endParaRPr kumimoji="1" lang="zh-TW" altLang="en-US" dirty="0"/>
+              <a:rPr kumimoji="1" lang="en-US" altLang="zh-TW" b="1" dirty="0" smtClean="0">
+                <a:ln w="17780" cmpd="sng">
+                  <a:solidFill>
+                    <a:schemeClr val="accent1">
+                      <a:tint val="3000"/>
+                    </a:schemeClr>
+                  </a:solidFill>
+                  <a:prstDash val="solid"/>
+                  <a:miter lim="800000"/>
+                </a:ln>
+                <a:gradFill>
+                  <a:gsLst>
+                    <a:gs pos="10000">
+                      <a:schemeClr val="accent1">
+                        <a:tint val="63000"/>
+                        <a:sat val="105000"/>
+                      </a:schemeClr>
+                    </a:gs>
+                    <a:gs pos="90000">
+                      <a:schemeClr val="accent1">
+                        <a:shade val="50000"/>
+                        <a:satMod val="100000"/>
+                      </a:schemeClr>
+                    </a:gs>
+                  </a:gsLst>
+                  <a:lin ang="5400000"/>
+                </a:gradFill>
+                <a:effectLst>
+                  <a:outerShdw blurRad="55000" dist="50800" dir="5400000" algn="tl">
+                    <a:srgbClr val="000000">
+                      <a:alpha val="33000"/>
+                    </a:srgbClr>
+                  </a:outerShdw>
+                </a:effectLst>
+              </a:rPr>
+              <a:t>What </a:t>
+            </a:r>
+            <a:r>
+              <a:rPr kumimoji="1" lang="en-US" altLang="zh-TW" b="1" dirty="0" smtClean="0">
+                <a:ln w="17780" cmpd="sng">
+                  <a:solidFill>
+                    <a:schemeClr val="accent1">
+                      <a:tint val="3000"/>
+                    </a:schemeClr>
+                  </a:solidFill>
+                  <a:prstDash val="solid"/>
+                  <a:miter lim="800000"/>
+                </a:ln>
+                <a:gradFill>
+                  <a:gsLst>
+                    <a:gs pos="10000">
+                      <a:schemeClr val="accent1">
+                        <a:tint val="63000"/>
+                        <a:sat val="105000"/>
+                      </a:schemeClr>
+                    </a:gs>
+                    <a:gs pos="90000">
+                      <a:schemeClr val="accent1">
+                        <a:shade val="50000"/>
+                        <a:satMod val="100000"/>
+                      </a:schemeClr>
+                    </a:gs>
+                  </a:gsLst>
+                  <a:lin ang="5400000"/>
+                </a:gradFill>
+                <a:effectLst>
+                  <a:outerShdw blurRad="55000" dist="50800" dir="5400000" algn="tl">
+                    <a:srgbClr val="000000">
+                      <a:alpha val="33000"/>
+                    </a:srgbClr>
+                  </a:outerShdw>
+                </a:effectLst>
+              </a:rPr>
+              <a:t>We Learned</a:t>
+            </a:r>
+            <a:endParaRPr kumimoji="1" lang="zh-TW" altLang="en-US" b="1" dirty="0">
+              <a:ln w="17780" cmpd="sng">
+                <a:solidFill>
+                  <a:schemeClr val="accent1">
+                    <a:tint val="3000"/>
+                  </a:schemeClr>
+                </a:solidFill>
+                <a:prstDash val="solid"/>
+                <a:miter lim="800000"/>
+              </a:ln>
+              <a:gradFill>
+                <a:gsLst>
+                  <a:gs pos="10000">
+                    <a:schemeClr val="accent1">
+                      <a:tint val="63000"/>
+                      <a:sat val="105000"/>
+                    </a:schemeClr>
+                  </a:gs>
+                  <a:gs pos="90000">
+                    <a:schemeClr val="accent1">
+                      <a:shade val="50000"/>
+                      <a:satMod val="100000"/>
+                    </a:schemeClr>
+                  </a:gs>
+                </a:gsLst>
+                <a:lin ang="5400000"/>
+              </a:gradFill>
+              <a:effectLst>
+                <a:outerShdw blurRad="55000" dist="50800" dir="5400000" algn="tl">
+                  <a:srgbClr val="000000">
+                    <a:alpha val="33000"/>
+                  </a:srgbClr>
+                </a:outerShdw>
+              </a:effectLst>
+            </a:endParaRPr>
           </a:p>
         </p:txBody>
       </p:sp>
@@ -3520,22 +5474,43 @@
           <a:p>
             <a:r>
               <a:rPr kumimoji="1" lang="en-US" altLang="zh-TW" dirty="0" smtClean="0"/>
-              <a:t>Start Project early</a:t>
-            </a:r>
-          </a:p>
-          <a:p>
-            <a:r>
-              <a:rPr kumimoji="1" lang="en-US" altLang="zh-TW" dirty="0" smtClean="0"/>
-              <a:t>Debug, debug</a:t>
-            </a:r>
-            <a:r>
-              <a:rPr kumimoji="1" lang="en-US" altLang="zh-TW" smtClean="0"/>
-              <a:t>, debug…</a:t>
-            </a:r>
+              <a:t>Statistical methods: Logistic Regression, score test, … </a:t>
+            </a:r>
+            <a:r>
+              <a:rPr kumimoji="1" lang="en-US" altLang="zh-TW" dirty="0" err="1" smtClean="0"/>
+              <a:t>etc</a:t>
+            </a:r>
+            <a:endParaRPr kumimoji="1" lang="en-US" altLang="zh-TW" dirty="0" smtClean="0"/>
+          </a:p>
+          <a:p>
             <a:endParaRPr kumimoji="1" lang="zh-TW" altLang="en-US" dirty="0"/>
           </a:p>
         </p:txBody>
       </p:sp>
+      <p:pic>
+        <p:nvPicPr>
+          <p:cNvPr id="5" name="圖片 4"/>
+          <p:cNvPicPr>
+            <a:picLocks noChangeAspect="1"/>
+          </p:cNvPicPr>
+          <p:nvPr/>
+        </p:nvPicPr>
+        <p:blipFill>
+          <a:blip r:embed="rId2"/>
+          <a:stretch>
+            <a:fillRect/>
+          </a:stretch>
+        </p:blipFill>
+        <p:spPr>
+          <a:xfrm>
+            <a:off x="6690656" y="209549"/>
+            <a:ext cx="1672964" cy="1390651"/>
+          </a:xfrm>
+          <a:prstGeom prst="rect">
+            <a:avLst/>
+          </a:prstGeom>
+        </p:spPr>
+      </p:pic>
     </p:spTree>
     <p:extLst>
       <p:ext uri="{BB962C8B-B14F-4D97-AF65-F5344CB8AC3E}">
@@ -3546,6 +5521,166 @@
   <p:clrMapOvr>
     <a:masterClrMapping/>
   </p:clrMapOvr>
+  <p:timing>
+    <p:tnLst>
+      <p:par>
+        <p:cTn xmlns:p14="http://schemas.microsoft.com/office/powerpoint/2010/main" id="1" dur="indefinite" restart="never" nodeType="tmRoot"/>
+      </p:par>
+    </p:tnLst>
+  </p:timing>
+</p:sld>
+</file>
+
+<file path=ppt/slides/slide6.xml><?xml version="1.0" encoding="utf-8"?>
+<p:sld xmlns:a="http://schemas.openxmlformats.org/drawingml/2006/main" xmlns:r="http://schemas.openxmlformats.org/officeDocument/2006/relationships" xmlns:p="http://schemas.openxmlformats.org/presentationml/2006/main">
+  <p:cSld>
+    <p:spTree>
+      <p:nvGrpSpPr>
+        <p:cNvPr id="1" name=""/>
+        <p:cNvGrpSpPr/>
+        <p:nvPr/>
+      </p:nvGrpSpPr>
+      <p:grpSpPr>
+        <a:xfrm>
+          <a:off x="0" y="0"/>
+          <a:ext cx="0" cy="0"/>
+          <a:chOff x="0" y="0"/>
+          <a:chExt cx="0" cy="0"/>
+        </a:xfrm>
+      </p:grpSpPr>
+      <p:sp>
+        <p:nvSpPr>
+          <p:cNvPr id="2" name="標題 1"/>
+          <p:cNvSpPr>
+            <a:spLocks noGrp="1"/>
+          </p:cNvSpPr>
+          <p:nvPr>
+            <p:ph type="title"/>
+          </p:nvPr>
+        </p:nvSpPr>
+        <p:spPr/>
+        <p:txBody>
+          <a:bodyPr/>
+          <a:lstStyle/>
+          <a:p>
+            <a:r>
+              <a:rPr kumimoji="1" lang="en-US" altLang="zh-TW" b="1" dirty="0" smtClean="0">
+                <a:ln w="17780" cmpd="sng">
+                  <a:solidFill>
+                    <a:schemeClr val="accent1">
+                      <a:tint val="3000"/>
+                    </a:schemeClr>
+                  </a:solidFill>
+                  <a:prstDash val="solid"/>
+                  <a:miter lim="800000"/>
+                </a:ln>
+                <a:gradFill>
+                  <a:gsLst>
+                    <a:gs pos="10000">
+                      <a:schemeClr val="accent1">
+                        <a:tint val="63000"/>
+                        <a:sat val="105000"/>
+                      </a:schemeClr>
+                    </a:gs>
+                    <a:gs pos="90000">
+                      <a:schemeClr val="accent1">
+                        <a:shade val="50000"/>
+                        <a:satMod val="100000"/>
+                      </a:schemeClr>
+                    </a:gs>
+                  </a:gsLst>
+                  <a:lin ang="5400000"/>
+                </a:gradFill>
+                <a:effectLst>
+                  <a:outerShdw blurRad="55000" dist="50800" dir="5400000" algn="tl">
+                    <a:srgbClr val="000000">
+                      <a:alpha val="33000"/>
+                    </a:srgbClr>
+                  </a:outerShdw>
+                </a:effectLst>
+              </a:rPr>
+              <a:t>References</a:t>
+            </a:r>
+            <a:endParaRPr kumimoji="1" lang="zh-TW" altLang="en-US" b="1" dirty="0">
+              <a:ln w="17780" cmpd="sng">
+                <a:solidFill>
+                  <a:schemeClr val="accent1">
+                    <a:tint val="3000"/>
+                  </a:schemeClr>
+                </a:solidFill>
+                <a:prstDash val="solid"/>
+                <a:miter lim="800000"/>
+              </a:ln>
+              <a:gradFill>
+                <a:gsLst>
+                  <a:gs pos="10000">
+                    <a:schemeClr val="accent1">
+                      <a:tint val="63000"/>
+                      <a:sat val="105000"/>
+                    </a:schemeClr>
+                  </a:gs>
+                  <a:gs pos="90000">
+                    <a:schemeClr val="accent1">
+                      <a:shade val="50000"/>
+                      <a:satMod val="100000"/>
+                    </a:schemeClr>
+                  </a:gs>
+                </a:gsLst>
+                <a:lin ang="5400000"/>
+              </a:gradFill>
+              <a:effectLst>
+                <a:outerShdw blurRad="55000" dist="50800" dir="5400000" algn="tl">
+                  <a:srgbClr val="000000">
+                    <a:alpha val="33000"/>
+                  </a:srgbClr>
+                </a:outerShdw>
+              </a:effectLst>
+            </a:endParaRPr>
+          </a:p>
+        </p:txBody>
+      </p:sp>
+      <p:sp>
+        <p:nvSpPr>
+          <p:cNvPr id="3" name="內容版面配置區 2"/>
+          <p:cNvSpPr>
+            <a:spLocks noGrp="1"/>
+          </p:cNvSpPr>
+          <p:nvPr>
+            <p:ph idx="1"/>
+          </p:nvPr>
+        </p:nvSpPr>
+        <p:spPr/>
+        <p:txBody>
+          <a:bodyPr/>
+          <a:lstStyle/>
+          <a:p>
+            <a:r>
+              <a:rPr kumimoji="1" lang="en-US" altLang="zh-TW" dirty="0" smtClean="0"/>
+              <a:t>Wikipedia-Meta-analysis</a:t>
+            </a:r>
+          </a:p>
+          <a:p>
+            <a:endParaRPr kumimoji="1" lang="en-US" altLang="zh-TW" dirty="0" smtClean="0"/>
+          </a:p>
+        </p:txBody>
+      </p:sp>
+    </p:spTree>
+    <p:extLst>
+      <p:ext uri="{BB962C8B-B14F-4D97-AF65-F5344CB8AC3E}">
+        <p14:creationId xmlns:p14="http://schemas.microsoft.com/office/powerpoint/2010/main" val="3124334267"/>
+      </p:ext>
+    </p:extLst>
+  </p:cSld>
+  <p:clrMapOvr>
+    <a:masterClrMapping/>
+  </p:clrMapOvr>
+  <p:timing>
+    <p:tnLst>
+      <p:par>
+        <p:cTn xmlns:p14="http://schemas.microsoft.com/office/powerpoint/2010/main" id="1" dur="indefinite" restart="never" nodeType="tmRoot"/>
+      </p:par>
+    </p:tnLst>
+  </p:timing>
 </p:sld>
 </file>
 
@@ -3867,4 +6002,324 @@
   </a:objectDefaults>
   <a:extraClrSchemeLst/>
 </a:theme>
+</file>
+
+<file path=ppt/theme/theme2.xml><?xml version="1.0" encoding="utf-8"?>
+<a:theme xmlns:a="http://schemas.openxmlformats.org/drawingml/2006/main" name="Office 佈景主題">
+  <a:themeElements>
+    <a:clrScheme name="Office">
+      <a:dk1>
+        <a:sysClr val="windowText" lastClr="000000"/>
+      </a:dk1>
+      <a:lt1>
+        <a:sysClr val="window" lastClr="FFFFFF"/>
+      </a:lt1>
+      <a:dk2>
+        <a:srgbClr val="1F497D"/>
+      </a:dk2>
+      <a:lt2>
+        <a:srgbClr val="EEECE1"/>
+      </a:lt2>
+      <a:accent1>
+        <a:srgbClr val="4F81BD"/>
+      </a:accent1>
+      <a:accent2>
+        <a:srgbClr val="C0504D"/>
+      </a:accent2>
+      <a:accent3>
+        <a:srgbClr val="9BBB59"/>
+      </a:accent3>
+      <a:accent4>
+        <a:srgbClr val="8064A2"/>
+      </a:accent4>
+      <a:accent5>
+        <a:srgbClr val="4BACC6"/>
+      </a:accent5>
+      <a:accent6>
+        <a:srgbClr val="F79646"/>
+      </a:accent6>
+      <a:hlink>
+        <a:srgbClr val="0000FF"/>
+      </a:hlink>
+      <a:folHlink>
+        <a:srgbClr val="800080"/>
+      </a:folHlink>
+    </a:clrScheme>
+    <a:fontScheme name="Office">
+      <a:majorFont>
+        <a:latin typeface="Calibri"/>
+        <a:ea typeface=""/>
+        <a:cs typeface=""/>
+        <a:font script="Jpan" typeface="ＭＳ Ｐゴシック"/>
+        <a:font script="Hang" typeface="맑은 고딕"/>
+        <a:font script="Hans" typeface="宋体"/>
+        <a:font script="Hant" typeface="新細明體"/>
+        <a:font script="Arab" typeface="Times New Roman"/>
+        <a:font script="Hebr" typeface="Times New Roman"/>
+        <a:font script="Thai" typeface="Angsana New"/>
+        <a:font script="Ethi" typeface="Nyala"/>
+        <a:font script="Beng" typeface="Vrinda"/>
+        <a:font script="Gujr" typeface="Shruti"/>
+        <a:font script="Khmr" typeface="MoolBoran"/>
+        <a:font script="Knda" typeface="Tunga"/>
+        <a:font script="Guru" typeface="Raavi"/>
+        <a:font script="Cans" typeface="Euphemia"/>
+        <a:font script="Cher" typeface="Plantagenet Cherokee"/>
+        <a:font script="Yiii" typeface="Microsoft Yi Baiti"/>
+        <a:font script="Tibt" typeface="Microsoft Himalaya"/>
+        <a:font script="Thaa" typeface="MV Boli"/>
+        <a:font script="Deva" typeface="Mangal"/>
+        <a:font script="Telu" typeface="Gautami"/>
+        <a:font script="Taml" typeface="Latha"/>
+        <a:font script="Syrc" typeface="Estrangelo Edessa"/>
+        <a:font script="Orya" typeface="Kalinga"/>
+        <a:font script="Mlym" typeface="Kartika"/>
+        <a:font script="Laoo" typeface="DokChampa"/>
+        <a:font script="Sinh" typeface="Iskoola Pota"/>
+        <a:font script="Mong" typeface="Mongolian Baiti"/>
+        <a:font script="Viet" typeface="Times New Roman"/>
+        <a:font script="Uigh" typeface="Microsoft Uighur"/>
+        <a:font script="Geor" typeface="Sylfaen"/>
+      </a:majorFont>
+      <a:minorFont>
+        <a:latin typeface="Calibri"/>
+        <a:ea typeface=""/>
+        <a:cs typeface=""/>
+        <a:font script="Jpan" typeface="ＭＳ Ｐゴシック"/>
+        <a:font script="Hang" typeface="맑은 고딕"/>
+        <a:font script="Hans" typeface="宋体"/>
+        <a:font script="Hant" typeface="新細明體"/>
+        <a:font script="Arab" typeface="Arial"/>
+        <a:font script="Hebr" typeface="Arial"/>
+        <a:font script="Thai" typeface="Cordia New"/>
+        <a:font script="Ethi" typeface="Nyala"/>
+        <a:font script="Beng" typeface="Vrinda"/>
+        <a:font script="Gujr" typeface="Shruti"/>
+        <a:font script="Khmr" typeface="DaunPenh"/>
+        <a:font script="Knda" typeface="Tunga"/>
+        <a:font script="Guru" typeface="Raavi"/>
+        <a:font script="Cans" typeface="Euphemia"/>
+        <a:font script="Cher" typeface="Plantagenet Cherokee"/>
+        <a:font script="Yiii" typeface="Microsoft Yi Baiti"/>
+        <a:font script="Tibt" typeface="Microsoft Himalaya"/>
+        <a:font script="Thaa" typeface="MV Boli"/>
+        <a:font script="Deva" typeface="Mangal"/>
+        <a:font script="Telu" typeface="Gautami"/>
+        <a:font script="Taml" typeface="Latha"/>
+        <a:font script="Syrc" typeface="Estrangelo Edessa"/>
+        <a:font script="Orya" typeface="Kalinga"/>
+        <a:font script="Mlym" typeface="Kartika"/>
+        <a:font script="Laoo" typeface="DokChampa"/>
+        <a:font script="Sinh" typeface="Iskoola Pota"/>
+        <a:font script="Mong" typeface="Mongolian Baiti"/>
+        <a:font script="Viet" typeface="Arial"/>
+        <a:font script="Uigh" typeface="Microsoft Uighur"/>
+        <a:font script="Geor" typeface="Sylfaen"/>
+      </a:minorFont>
+    </a:fontScheme>
+    <a:fmtScheme name="Office">
+      <a:fillStyleLst>
+        <a:solidFill>
+          <a:schemeClr val="phClr"/>
+        </a:solidFill>
+        <a:gradFill rotWithShape="1">
+          <a:gsLst>
+            <a:gs pos="0">
+              <a:schemeClr val="phClr">
+                <a:tint val="50000"/>
+                <a:satMod val="300000"/>
+              </a:schemeClr>
+            </a:gs>
+            <a:gs pos="35000">
+              <a:schemeClr val="phClr">
+                <a:tint val="37000"/>
+                <a:satMod val="300000"/>
+              </a:schemeClr>
+            </a:gs>
+            <a:gs pos="100000">
+              <a:schemeClr val="phClr">
+                <a:tint val="15000"/>
+                <a:satMod val="350000"/>
+              </a:schemeClr>
+            </a:gs>
+          </a:gsLst>
+          <a:lin ang="16200000" scaled="1"/>
+        </a:gradFill>
+        <a:gradFill rotWithShape="1">
+          <a:gsLst>
+            <a:gs pos="0">
+              <a:schemeClr val="phClr">
+                <a:tint val="100000"/>
+                <a:shade val="100000"/>
+                <a:satMod val="130000"/>
+              </a:schemeClr>
+            </a:gs>
+            <a:gs pos="100000">
+              <a:schemeClr val="phClr">
+                <a:tint val="50000"/>
+                <a:shade val="100000"/>
+                <a:satMod val="350000"/>
+              </a:schemeClr>
+            </a:gs>
+          </a:gsLst>
+          <a:lin ang="16200000" scaled="0"/>
+        </a:gradFill>
+      </a:fillStyleLst>
+      <a:lnStyleLst>
+        <a:ln w="9525" cap="flat" cmpd="sng" algn="ctr">
+          <a:solidFill>
+            <a:schemeClr val="phClr">
+              <a:shade val="95000"/>
+              <a:satMod val="105000"/>
+            </a:schemeClr>
+          </a:solidFill>
+          <a:prstDash val="solid"/>
+        </a:ln>
+        <a:ln w="25400" cap="flat" cmpd="sng" algn="ctr">
+          <a:solidFill>
+            <a:schemeClr val="phClr"/>
+          </a:solidFill>
+          <a:prstDash val="solid"/>
+        </a:ln>
+        <a:ln w="38100" cap="flat" cmpd="sng" algn="ctr">
+          <a:solidFill>
+            <a:schemeClr val="phClr"/>
+          </a:solidFill>
+          <a:prstDash val="solid"/>
+        </a:ln>
+      </a:lnStyleLst>
+      <a:effectStyleLst>
+        <a:effectStyle>
+          <a:effectLst>
+            <a:outerShdw blurRad="40000" dist="20000" dir="5400000" rotWithShape="0">
+              <a:srgbClr val="000000">
+                <a:alpha val="38000"/>
+              </a:srgbClr>
+            </a:outerShdw>
+          </a:effectLst>
+        </a:effectStyle>
+        <a:effectStyle>
+          <a:effectLst>
+            <a:outerShdw blurRad="40000" dist="23000" dir="5400000" rotWithShape="0">
+              <a:srgbClr val="000000">
+                <a:alpha val="35000"/>
+              </a:srgbClr>
+            </a:outerShdw>
+          </a:effectLst>
+        </a:effectStyle>
+        <a:effectStyle>
+          <a:effectLst>
+            <a:outerShdw blurRad="40000" dist="23000" dir="5400000" rotWithShape="0">
+              <a:srgbClr val="000000">
+                <a:alpha val="35000"/>
+              </a:srgbClr>
+            </a:outerShdw>
+          </a:effectLst>
+          <a:scene3d>
+            <a:camera prst="orthographicFront">
+              <a:rot lat="0" lon="0" rev="0"/>
+            </a:camera>
+            <a:lightRig rig="threePt" dir="t">
+              <a:rot lat="0" lon="0" rev="1200000"/>
+            </a:lightRig>
+          </a:scene3d>
+          <a:sp3d>
+            <a:bevelT w="63500" h="25400"/>
+          </a:sp3d>
+        </a:effectStyle>
+      </a:effectStyleLst>
+      <a:bgFillStyleLst>
+        <a:solidFill>
+          <a:schemeClr val="phClr"/>
+        </a:solidFill>
+        <a:gradFill rotWithShape="1">
+          <a:gsLst>
+            <a:gs pos="0">
+              <a:schemeClr val="phClr">
+                <a:tint val="40000"/>
+                <a:satMod val="350000"/>
+              </a:schemeClr>
+            </a:gs>
+            <a:gs pos="40000">
+              <a:schemeClr val="phClr">
+                <a:tint val="45000"/>
+                <a:shade val="99000"/>
+                <a:satMod val="350000"/>
+              </a:schemeClr>
+            </a:gs>
+            <a:gs pos="100000">
+              <a:schemeClr val="phClr">
+                <a:shade val="20000"/>
+                <a:satMod val="255000"/>
+              </a:schemeClr>
+            </a:gs>
+          </a:gsLst>
+          <a:path path="circle">
+            <a:fillToRect l="50000" t="-80000" r="50000" b="180000"/>
+          </a:path>
+        </a:gradFill>
+        <a:gradFill rotWithShape="1">
+          <a:gsLst>
+            <a:gs pos="0">
+              <a:schemeClr val="phClr">
+                <a:tint val="80000"/>
+                <a:satMod val="300000"/>
+              </a:schemeClr>
+            </a:gs>
+            <a:gs pos="100000">
+              <a:schemeClr val="phClr">
+                <a:shade val="30000"/>
+                <a:satMod val="200000"/>
+              </a:schemeClr>
+            </a:gs>
+          </a:gsLst>
+          <a:path path="circle">
+            <a:fillToRect l="50000" t="50000" r="50000" b="50000"/>
+          </a:path>
+        </a:gradFill>
+      </a:bgFillStyleLst>
+    </a:fmtScheme>
+  </a:themeElements>
+  <a:objectDefaults>
+    <a:spDef>
+      <a:spPr/>
+      <a:bodyPr/>
+      <a:lstStyle/>
+      <a:style>
+        <a:lnRef idx="1">
+          <a:schemeClr val="accent1"/>
+        </a:lnRef>
+        <a:fillRef idx="3">
+          <a:schemeClr val="accent1"/>
+        </a:fillRef>
+        <a:effectRef idx="2">
+          <a:schemeClr val="accent1"/>
+        </a:effectRef>
+        <a:fontRef idx="minor">
+          <a:schemeClr val="lt1"/>
+        </a:fontRef>
+      </a:style>
+    </a:spDef>
+    <a:lnDef>
+      <a:spPr/>
+      <a:bodyPr/>
+      <a:lstStyle/>
+      <a:style>
+        <a:lnRef idx="2">
+          <a:schemeClr val="accent1"/>
+        </a:lnRef>
+        <a:fillRef idx="0">
+          <a:schemeClr val="accent1"/>
+        </a:fillRef>
+        <a:effectRef idx="1">
+          <a:schemeClr val="accent1"/>
+        </a:effectRef>
+        <a:fontRef idx="minor">
+          <a:schemeClr val="tx1"/>
+        </a:fontRef>
+      </a:style>
+    </a:lnDef>
+  </a:objectDefaults>
+  <a:extraClrSchemeLst/>
+</a:theme>
 </file>